--- a/Class Slides 2024/Class 20.pptx
+++ b/Class Slides 2024/Class 20.pptx
@@ -5,24 +5,27 @@
     <p:sldMasterId id="2147483648" r:id="rId1"/>
   </p:sldMasterIdLst>
   <p:notesMasterIdLst>
-    <p:notesMasterId r:id="rId17"/>
+    <p:notesMasterId r:id="rId20"/>
   </p:notesMasterIdLst>
   <p:sldIdLst>
     <p:sldId id="256" r:id="rId2"/>
-    <p:sldId id="261" r:id="rId3"/>
-    <p:sldId id="267" r:id="rId4"/>
-    <p:sldId id="262" r:id="rId5"/>
-    <p:sldId id="263" r:id="rId6"/>
-    <p:sldId id="264" r:id="rId7"/>
-    <p:sldId id="265" r:id="rId8"/>
-    <p:sldId id="484" r:id="rId9"/>
-    <p:sldId id="486" r:id="rId10"/>
-    <p:sldId id="272" r:id="rId11"/>
-    <p:sldId id="273" r:id="rId12"/>
-    <p:sldId id="274" r:id="rId13"/>
-    <p:sldId id="275" r:id="rId14"/>
-    <p:sldId id="276" r:id="rId15"/>
-    <p:sldId id="485" r:id="rId16"/>
+    <p:sldId id="487" r:id="rId3"/>
+    <p:sldId id="488" r:id="rId4"/>
+    <p:sldId id="489" r:id="rId5"/>
+    <p:sldId id="261" r:id="rId6"/>
+    <p:sldId id="267" r:id="rId7"/>
+    <p:sldId id="262" r:id="rId8"/>
+    <p:sldId id="263" r:id="rId9"/>
+    <p:sldId id="264" r:id="rId10"/>
+    <p:sldId id="265" r:id="rId11"/>
+    <p:sldId id="484" r:id="rId12"/>
+    <p:sldId id="486" r:id="rId13"/>
+    <p:sldId id="272" r:id="rId14"/>
+    <p:sldId id="273" r:id="rId15"/>
+    <p:sldId id="274" r:id="rId16"/>
+    <p:sldId id="275" r:id="rId17"/>
+    <p:sldId id="276" r:id="rId18"/>
+    <p:sldId id="485" r:id="rId19"/>
   </p:sldIdLst>
   <p:sldSz cx="12192000" cy="6858000"/>
   <p:notesSz cx="7102475" cy="9388475"/>
@@ -211,7 +214,7 @@
           <a:p>
             <a:fld id="{65895C0F-0B69-4CF9-8748-D8C97CC97B53}" type="datetimeFigureOut">
               <a:rPr lang="en-US" smtClean="0"/>
-              <a:t>2/18/2024</a:t>
+              <a:t>2/19/2024</a:t>
             </a:fld>
             <a:endParaRPr lang="en-US"/>
           </a:p>
@@ -515,7 +518,7 @@
             <a:fld id="{B2597747-BA47-43C8-B4E7-8730FB6602D9}" type="slidenum">
               <a:rPr lang="en-US"/>
               <a:pPr/>
-              <a:t>2</a:t>
+              <a:t>5</a:t>
             </a:fld>
             <a:endParaRPr lang="en-US"/>
           </a:p>
@@ -628,7 +631,7 @@
                   <a:spcPct val="0"/>
                 </a:spcAft>
               </a:pPr>
-              <a:t>13</a:t>
+              <a:t>16</a:t>
             </a:fld>
             <a:endParaRPr lang="en-US"/>
           </a:p>
@@ -755,7 +758,7 @@
                   <a:spcPct val="0"/>
                 </a:spcAft>
               </a:pPr>
-              <a:t>14</a:t>
+              <a:t>17</a:t>
             </a:fld>
             <a:endParaRPr lang="en-US"/>
           </a:p>
@@ -882,7 +885,7 @@
                   <a:spcPct val="0"/>
                 </a:spcAft>
               </a:pPr>
-              <a:t>3</a:t>
+              <a:t>6</a:t>
             </a:fld>
             <a:endParaRPr lang="en-US"/>
           </a:p>
@@ -990,7 +993,7 @@
             <a:fld id="{04C2D3B0-5DCE-49A6-A032-804865AB10D7}" type="slidenum">
               <a:rPr lang="en-US"/>
               <a:pPr/>
-              <a:t>4</a:t>
+              <a:t>7</a:t>
             </a:fld>
             <a:endParaRPr lang="en-US"/>
           </a:p>
@@ -1083,7 +1086,7 @@
             <a:fld id="{255A0DA7-5B0A-413A-BBC8-25E1961701E9}" type="slidenum">
               <a:rPr lang="en-US"/>
               <a:pPr/>
-              <a:t>5</a:t>
+              <a:t>8</a:t>
             </a:fld>
             <a:endParaRPr lang="en-US"/>
           </a:p>
@@ -1176,7 +1179,7 @@
             <a:fld id="{24B389AB-96E1-4100-B742-EE49E1C387BB}" type="slidenum">
               <a:rPr lang="en-US"/>
               <a:pPr/>
-              <a:t>6</a:t>
+              <a:t>9</a:t>
             </a:fld>
             <a:endParaRPr lang="en-US"/>
           </a:p>
@@ -1269,7 +1272,7 @@
             <a:fld id="{34F99CF8-2F3A-4343-AEA7-372EBBDF8021}" type="slidenum">
               <a:rPr lang="en-US"/>
               <a:pPr/>
-              <a:t>7</a:t>
+              <a:t>10</a:t>
             </a:fld>
             <a:endParaRPr lang="en-US"/>
           </a:p>
@@ -1386,7 +1389,7 @@
                   <a:spcPct val="0"/>
                 </a:spcAft>
               </a:pPr>
-              <a:t>10</a:t>
+              <a:t>13</a:t>
             </a:fld>
             <a:endParaRPr lang="en-US"/>
           </a:p>
@@ -1513,7 +1516,7 @@
                   <a:spcPct val="0"/>
                 </a:spcAft>
               </a:pPr>
-              <a:t>11</a:t>
+              <a:t>14</a:t>
             </a:fld>
             <a:endParaRPr lang="en-US"/>
           </a:p>
@@ -1640,7 +1643,7 @@
                   <a:spcPct val="0"/>
                 </a:spcAft>
               </a:pPr>
-              <a:t>12</a:t>
+              <a:t>15</a:t>
             </a:fld>
             <a:endParaRPr lang="en-US"/>
           </a:p>
@@ -1853,7 +1856,7 @@
           <a:p>
             <a:fld id="{E2079159-2AE6-4966-8700-B913E8558492}" type="datetimeFigureOut">
               <a:rPr lang="en-US" smtClean="0"/>
-              <a:t>2/18/2024</a:t>
+              <a:t>2/19/2024</a:t>
             </a:fld>
             <a:endParaRPr lang="en-US"/>
           </a:p>
@@ -2051,7 +2054,7 @@
           <a:p>
             <a:fld id="{E2079159-2AE6-4966-8700-B913E8558492}" type="datetimeFigureOut">
               <a:rPr lang="en-US" smtClean="0"/>
-              <a:t>2/18/2024</a:t>
+              <a:t>2/19/2024</a:t>
             </a:fld>
             <a:endParaRPr lang="en-US"/>
           </a:p>
@@ -2259,7 +2262,7 @@
           <a:p>
             <a:fld id="{E2079159-2AE6-4966-8700-B913E8558492}" type="datetimeFigureOut">
               <a:rPr lang="en-US" smtClean="0"/>
-              <a:t>2/18/2024</a:t>
+              <a:t>2/19/2024</a:t>
             </a:fld>
             <a:endParaRPr lang="en-US"/>
           </a:p>
@@ -3226,7 +3229,7 @@
           <a:p>
             <a:fld id="{E2079159-2AE6-4966-8700-B913E8558492}" type="datetimeFigureOut">
               <a:rPr lang="en-US" smtClean="0"/>
-              <a:t>2/18/2024</a:t>
+              <a:t>2/19/2024</a:t>
             </a:fld>
             <a:endParaRPr lang="en-US"/>
           </a:p>
@@ -3501,7 +3504,7 @@
           <a:p>
             <a:fld id="{E2079159-2AE6-4966-8700-B913E8558492}" type="datetimeFigureOut">
               <a:rPr lang="en-US" smtClean="0"/>
-              <a:t>2/18/2024</a:t>
+              <a:t>2/19/2024</a:t>
             </a:fld>
             <a:endParaRPr lang="en-US"/>
           </a:p>
@@ -3766,7 +3769,7 @@
           <a:p>
             <a:fld id="{E2079159-2AE6-4966-8700-B913E8558492}" type="datetimeFigureOut">
               <a:rPr lang="en-US" smtClean="0"/>
-              <a:t>2/18/2024</a:t>
+              <a:t>2/19/2024</a:t>
             </a:fld>
             <a:endParaRPr lang="en-US"/>
           </a:p>
@@ -4178,7 +4181,7 @@
           <a:p>
             <a:fld id="{E2079159-2AE6-4966-8700-B913E8558492}" type="datetimeFigureOut">
               <a:rPr lang="en-US" smtClean="0"/>
-              <a:t>2/18/2024</a:t>
+              <a:t>2/19/2024</a:t>
             </a:fld>
             <a:endParaRPr lang="en-US"/>
           </a:p>
@@ -4319,7 +4322,7 @@
           <a:p>
             <a:fld id="{E2079159-2AE6-4966-8700-B913E8558492}" type="datetimeFigureOut">
               <a:rPr lang="en-US" smtClean="0"/>
-              <a:t>2/18/2024</a:t>
+              <a:t>2/19/2024</a:t>
             </a:fld>
             <a:endParaRPr lang="en-US"/>
           </a:p>
@@ -4432,7 +4435,7 @@
           <a:p>
             <a:fld id="{E2079159-2AE6-4966-8700-B913E8558492}" type="datetimeFigureOut">
               <a:rPr lang="en-US" smtClean="0"/>
-              <a:t>2/18/2024</a:t>
+              <a:t>2/19/2024</a:t>
             </a:fld>
             <a:endParaRPr lang="en-US"/>
           </a:p>
@@ -4743,7 +4746,7 @@
           <a:p>
             <a:fld id="{E2079159-2AE6-4966-8700-B913E8558492}" type="datetimeFigureOut">
               <a:rPr lang="en-US" smtClean="0"/>
-              <a:t>2/18/2024</a:t>
+              <a:t>2/19/2024</a:t>
             </a:fld>
             <a:endParaRPr lang="en-US"/>
           </a:p>
@@ -5031,7 +5034,7 @@
           <a:p>
             <a:fld id="{E2079159-2AE6-4966-8700-B913E8558492}" type="datetimeFigureOut">
               <a:rPr lang="en-US" smtClean="0"/>
-              <a:t>2/18/2024</a:t>
+              <a:t>2/19/2024</a:t>
             </a:fld>
             <a:endParaRPr lang="en-US"/>
           </a:p>
@@ -5272,7 +5275,7 @@
           <a:p>
             <a:fld id="{E2079159-2AE6-4966-8700-B913E8558492}" type="datetimeFigureOut">
               <a:rPr lang="en-US" smtClean="0"/>
-              <a:t>2/18/2024</a:t>
+              <a:t>2/19/2024</a:t>
             </a:fld>
             <a:endParaRPr lang="en-US"/>
           </a:p>
@@ -5807,7 +5810,7 @@
       </p:grpSpPr>
       <p:sp>
         <p:nvSpPr>
-          <p:cNvPr id="5122" name="Rectangle 2"/>
+          <p:cNvPr id="3075" name="Rectangle 2"/>
           <p:cNvSpPr>
             <a:spLocks noGrp="1" noChangeArrowheads="1"/>
           </p:cNvSpPr>
@@ -5820,106 +5823,193 @@
           <a:bodyPr/>
           <a:lstStyle/>
           <a:p>
+            <a:pPr eaLnBrk="1" hangingPunct="1"/>
+            <a:endParaRPr lang="en-US"/>
+          </a:p>
+        </p:txBody>
+      </p:sp>
+      <p:sp>
+        <p:nvSpPr>
+          <p:cNvPr id="3076" name="Rectangle 3"/>
+          <p:cNvSpPr>
+            <a:spLocks noGrp="1" noChangeArrowheads="1"/>
+          </p:cNvSpPr>
+          <p:nvPr>
+            <p:ph type="body" sz="half" idx="1"/>
+          </p:nvPr>
+        </p:nvSpPr>
+        <p:spPr/>
+        <p:txBody>
+          <a:bodyPr>
+            <a:normAutofit/>
+          </a:bodyPr>
+          <a:lstStyle/>
+          <a:p>
+            <a:pPr eaLnBrk="1" hangingPunct="1"/>
+            <a:r>
+              <a:rPr lang="en-US" sz="3600" dirty="0"/>
+              <a:t>No correlation was found between hours of TV viewing and vocabulary,</a:t>
+            </a:r>
+            <a:br>
+              <a:rPr lang="en-US" sz="3600" dirty="0"/>
+            </a:br>
+            <a:r>
+              <a:rPr lang="en-US" sz="3600" i="1" dirty="0"/>
+              <a:t>r</a:t>
+            </a:r>
+            <a:r>
+              <a:rPr lang="en-US" sz="3600" dirty="0"/>
+              <a:t> = .08.</a:t>
+            </a:r>
+          </a:p>
+        </p:txBody>
+      </p:sp>
+      <p:sp>
+        <p:nvSpPr>
+          <p:cNvPr id="3077" name="Text Box 4"/>
+          <p:cNvSpPr txBox="1">
+            <a:spLocks noChangeArrowheads="1"/>
+          </p:cNvSpPr>
+          <p:nvPr/>
+        </p:nvSpPr>
+        <p:spPr bwMode="auto">
+          <a:xfrm rot="16200000">
+            <a:off x="5869725" y="3419997"/>
+            <a:ext cx="1856277" cy="369332"/>
+          </a:xfrm>
+          <a:prstGeom prst="rect">
+            <a:avLst/>
+          </a:prstGeom>
+          <a:noFill/>
+          <a:ln w="9525">
+            <a:noFill/>
+            <a:miter lim="800000"/>
+            <a:headEnd/>
+            <a:tailEnd/>
+          </a:ln>
+        </p:spPr>
+        <p:txBody>
+          <a:bodyPr wrap="none">
+            <a:spAutoFit/>
+          </a:bodyPr>
+          <a:lstStyle/>
+          <a:p>
             <a:r>
               <a:rPr lang="en-US"/>
-              <a:t>Mum effect</a:t>
-            </a:r>
-          </a:p>
-        </p:txBody>
-      </p:sp>
-      <p:sp>
-        <p:nvSpPr>
-          <p:cNvPr id="5123" name="Rectangle 3"/>
-          <p:cNvSpPr>
-            <a:spLocks noGrp="1" noChangeArrowheads="1"/>
-          </p:cNvSpPr>
-          <p:nvPr>
-            <p:ph type="body" idx="1"/>
-          </p:nvPr>
-        </p:nvSpPr>
-        <p:spPr>
+              <a:t>Hours of TV/week</a:t>
+            </a:r>
+          </a:p>
+        </p:txBody>
+      </p:sp>
+      <p:sp>
+        <p:nvSpPr>
+          <p:cNvPr id="3078" name="Text Box 5"/>
+          <p:cNvSpPr txBox="1">
+            <a:spLocks noChangeArrowheads="1"/>
+          </p:cNvSpPr>
+          <p:nvPr/>
+        </p:nvSpPr>
+        <p:spPr bwMode="auto">
           <a:xfrm>
-            <a:off x="838200" y="1371600"/>
-            <a:ext cx="9372600" cy="5105400"/>
+            <a:off x="8285688" y="5607024"/>
+            <a:ext cx="1624547" cy="369332"/>
           </a:xfrm>
+          <a:prstGeom prst="rect">
+            <a:avLst/>
+          </a:prstGeom>
+          <a:noFill/>
+          <a:ln w="9525">
+            <a:noFill/>
+            <a:miter lim="800000"/>
+            <a:headEnd/>
+            <a:tailEnd/>
+          </a:ln>
         </p:spPr>
         <p:txBody>
-          <a:bodyPr>
-            <a:normAutofit fontScale="92500"/>
+          <a:bodyPr wrap="none">
+            <a:spAutoFit/>
           </a:bodyPr>
           <a:lstStyle/>
           <a:p>
-            <a:pPr>
-              <a:lnSpc>
-                <a:spcPct val="80000"/>
-              </a:lnSpc>
-            </a:pPr>
-            <a:r>
-              <a:rPr lang="en-US" sz="2400" dirty="0"/>
-              <a:t>A “lost postcard” technique was employed to examine attitudes towards informing people of their romantic partner’s apparent infidelity.  Stamped and addressed postcards were left on the windshields of 180 cars parked near mailboxes, with an accompanying handwritten note reading “Found this by your car – is it yours?”</a:t>
-            </a:r>
-          </a:p>
-          <a:p>
-            <a:pPr>
-              <a:lnSpc>
-                <a:spcPct val="80000"/>
-              </a:lnSpc>
-            </a:pPr>
-            <a:r>
-              <a:rPr lang="en-US" sz="2400" dirty="0"/>
-              <a:t>One-third (60) of the cards had a neutral/good news (control) message, “Glad to hear you’ve working things out.  We’re getting along better too.  Keep in touch.”  Thirty of these were addressed to a male, 30 to a female.</a:t>
-            </a:r>
-          </a:p>
-          <a:p>
-            <a:pPr>
-              <a:lnSpc>
-                <a:spcPct val="80000"/>
-              </a:lnSpc>
-            </a:pPr>
-            <a:r>
-              <a:rPr lang="en-US" sz="2400" dirty="0"/>
-              <a:t>The other 120 cards, equally divided by gender, informed the addressee of his (her) girlfriend’s (boyfriend’s) apparent infidelity, in the following message: “Dear Bob [Judy], I hate to be the one to tell you this, but I think I saw you girlfriend Ann [boyfriend Bob] coming out of the Travelodge off El Cajon Blvd with another guy (woman) on Thursday.  It might not be important, but I didn’t know how to tell you in person – Barry [Beth]”</a:t>
-            </a:r>
-          </a:p>
-          <a:p>
-            <a:pPr lvl="1">
-              <a:lnSpc>
-                <a:spcPct val="80000"/>
-              </a:lnSpc>
-            </a:pPr>
             <a:r>
               <a:rPr lang="en-US" dirty="0"/>
-              <a:t>35 good news postcards were returned</a:t>
-            </a:r>
-          </a:p>
-          <a:p>
-            <a:pPr lvl="1">
-              <a:lnSpc>
-                <a:spcPct val="80000"/>
-              </a:lnSpc>
-            </a:pPr>
-            <a:r>
-              <a:rPr lang="en-US" dirty="0"/>
-              <a:t>23 bad news postcards were returned: </a:t>
-            </a:r>
-          </a:p>
-          <a:p>
-            <a:pPr lvl="1">
-              <a:lnSpc>
-                <a:spcPct val="80000"/>
-              </a:lnSpc>
-            </a:pPr>
-            <a:r>
-              <a:rPr lang="en-US" dirty="0"/>
-              <a:t>19 to addressed to Bob, 4 to Judy</a:t>
-            </a:r>
-          </a:p>
-        </p:txBody>
-      </p:sp>
+              <a:t>Vocabulary size</a:t>
+            </a:r>
+          </a:p>
+        </p:txBody>
+      </p:sp>
+      <p:graphicFrame>
+        <p:nvGraphicFramePr>
+          <p:cNvPr id="3074" name="Object 7"/>
+          <p:cNvGraphicFramePr>
+            <a:graphicFrameLocks noGrp="1" noChangeAspect="1"/>
+          </p:cNvGraphicFramePr>
+          <p:nvPr>
+            <p:ph sz="quarter" idx="2"/>
+            <p:extLst>
+              <p:ext uri="{D42A27DB-BD31-4B8C-83A1-F6EECF244321}">
+                <p14:modId xmlns:p14="http://schemas.microsoft.com/office/powerpoint/2010/main" val="105748702"/>
+              </p:ext>
+            </p:extLst>
+          </p:nvPr>
+        </p:nvGraphicFramePr>
+        <p:xfrm>
+          <a:off x="6997968" y="1532229"/>
+          <a:ext cx="4199989" cy="4144870"/>
+        </p:xfrm>
+        <a:graphic>
+          <a:graphicData uri="http://schemas.openxmlformats.org/presentationml/2006/ole">
+            <mc:AlternateContent xmlns:mc="http://schemas.openxmlformats.org/markup-compatibility/2006">
+              <mc:Choice xmlns:v="urn:schemas-microsoft-com:vml" Requires="v">
+                <p:oleObj name="Chart" r:id="rId3" imgW="2123975" imgH="2095420" progId="Excel.Chart.8">
+                  <p:embed/>
+                </p:oleObj>
+              </mc:Choice>
+              <mc:Fallback>
+                <p:oleObj name="Chart" r:id="rId3" imgW="2123975" imgH="2095420" progId="Excel.Chart.8">
+                  <p:embed/>
+                  <p:pic>
+                    <p:nvPicPr>
+                      <p:cNvPr id="3074" name="Object 7"/>
+                      <p:cNvPicPr>
+                        <a:picLocks noGrp="1" noChangeAspect="1" noChangeArrowheads="1"/>
+                      </p:cNvPicPr>
+                      <p:nvPr/>
+                    </p:nvPicPr>
+                    <p:blipFill>
+                      <a:blip r:embed="rId4">
+                        <a:extLst>
+                          <a:ext uri="{28A0092B-C50C-407E-A947-70E740481C1C}">
+                            <a14:useLocalDpi xmlns:a14="http://schemas.microsoft.com/office/drawing/2010/main" val="0"/>
+                          </a:ext>
+                        </a:extLst>
+                      </a:blip>
+                      <a:srcRect/>
+                      <a:stretch>
+                        <a:fillRect/>
+                      </a:stretch>
+                    </p:blipFill>
+                    <p:spPr bwMode="auto">
+                      <a:xfrm>
+                        <a:off x="6997968" y="1532229"/>
+                        <a:ext cx="4199989" cy="4144870"/>
+                      </a:xfrm>
+                      <a:prstGeom prst="rect">
+                        <a:avLst/>
+                      </a:prstGeom>
+                      <a:noFill/>
+                    </p:spPr>
+                  </p:pic>
+                </p:oleObj>
+              </mc:Fallback>
+            </mc:AlternateContent>
+          </a:graphicData>
+        </a:graphic>
+      </p:graphicFrame>
     </p:spTree>
     <p:extLst>
       <p:ext uri="{BB962C8B-B14F-4D97-AF65-F5344CB8AC3E}">
-        <p14:creationId xmlns:p14="http://schemas.microsoft.com/office/powerpoint/2010/main" val="3542977890"/>
+        <p14:creationId xmlns:p14="http://schemas.microsoft.com/office/powerpoint/2010/main" val="3756736851"/>
       </p:ext>
     </p:extLst>
   </p:cSld>
@@ -5948,6 +6038,431 @@
       </p:grpSpPr>
       <p:sp>
         <p:nvSpPr>
+          <p:cNvPr id="8" name="Title 7">
+            <a:extLst>
+              <a:ext uri="{FF2B5EF4-FFF2-40B4-BE49-F238E27FC236}">
+                <a16:creationId xmlns:a16="http://schemas.microsoft.com/office/drawing/2014/main" id="{AC24680F-6134-4A97-BD91-53E158F1805E}"/>
+              </a:ext>
+            </a:extLst>
+          </p:cNvPr>
+          <p:cNvSpPr>
+            <a:spLocks noGrp="1"/>
+          </p:cNvSpPr>
+          <p:nvPr>
+            <p:ph type="title"/>
+          </p:nvPr>
+        </p:nvSpPr>
+        <p:spPr/>
+        <p:txBody>
+          <a:bodyPr/>
+          <a:lstStyle/>
+          <a:p>
+            <a:r>
+              <a:rPr lang="en-US" dirty="0"/>
+              <a:t>Correlation analysis</a:t>
+            </a:r>
+          </a:p>
+        </p:txBody>
+      </p:sp>
+      <p:sp>
+        <p:nvSpPr>
+          <p:cNvPr id="9" name="Content Placeholder 8">
+            <a:extLst>
+              <a:ext uri="{FF2B5EF4-FFF2-40B4-BE49-F238E27FC236}">
+                <a16:creationId xmlns:a16="http://schemas.microsoft.com/office/drawing/2014/main" id="{36D8337B-AEF6-498F-A96F-41A831FE3602}"/>
+              </a:ext>
+            </a:extLst>
+          </p:cNvPr>
+          <p:cNvSpPr>
+            <a:spLocks noGrp="1"/>
+          </p:cNvSpPr>
+          <p:nvPr>
+            <p:ph idx="1"/>
+          </p:nvPr>
+        </p:nvSpPr>
+        <p:spPr/>
+        <p:txBody>
+          <a:bodyPr>
+            <a:normAutofit/>
+          </a:bodyPr>
+          <a:lstStyle/>
+          <a:p>
+            <a:r>
+              <a:rPr lang="en-US" sz="3200" dirty="0"/>
+              <a:t>Measure of association between two continuous variables</a:t>
+            </a:r>
+          </a:p>
+          <a:p>
+            <a:pPr lvl="1"/>
+            <a:r>
+              <a:rPr lang="en-US" sz="2800" dirty="0"/>
+              <a:t>Range -1.0 to 1.0</a:t>
+            </a:r>
+          </a:p>
+          <a:p>
+            <a:pPr lvl="2"/>
+            <a:r>
+              <a:rPr lang="en-US" sz="2400" dirty="0"/>
+              <a:t>Null hypothesis is zero</a:t>
+            </a:r>
+          </a:p>
+          <a:p>
+            <a:pPr lvl="2"/>
+            <a:endParaRPr lang="en-US" sz="2400" dirty="0"/>
+          </a:p>
+          <a:p>
+            <a:r>
+              <a:rPr lang="en-US" sz="3200" dirty="0"/>
+              <a:t>Most frequently done in non-experimental research</a:t>
+            </a:r>
+          </a:p>
+          <a:p>
+            <a:pPr lvl="1"/>
+            <a:r>
+              <a:rPr lang="en-US" sz="2800" dirty="0"/>
+              <a:t>Correlation does not imply causation</a:t>
+            </a:r>
+          </a:p>
+          <a:p>
+            <a:pPr lvl="2"/>
+            <a:r>
+              <a:rPr lang="en-US" sz="2400" dirty="0"/>
+              <a:t>But also does not guarantee not being causal</a:t>
+            </a:r>
+          </a:p>
+          <a:p>
+            <a:pPr lvl="1"/>
+            <a:r>
+              <a:rPr lang="en-US" sz="2800" dirty="0"/>
+              <a:t>Alternate hypotheses: Y -&gt; X, Z -&gt; (X, Y)</a:t>
+            </a:r>
+          </a:p>
+        </p:txBody>
+      </p:sp>
+    </p:spTree>
+    <p:extLst>
+      <p:ext uri="{BB962C8B-B14F-4D97-AF65-F5344CB8AC3E}">
+        <p14:creationId xmlns:p14="http://schemas.microsoft.com/office/powerpoint/2010/main" val="2411131234"/>
+      </p:ext>
+    </p:extLst>
+  </p:cSld>
+  <p:clrMapOvr>
+    <a:masterClrMapping/>
+  </p:clrMapOvr>
+</p:sld>
+</file>
+
+<file path=ppt/slides/slide12.xml><?xml version="1.0" encoding="utf-8"?>
+<p:sld xmlns:a="http://schemas.openxmlformats.org/drawingml/2006/main" xmlns:r="http://schemas.openxmlformats.org/officeDocument/2006/relationships" xmlns:p="http://schemas.openxmlformats.org/presentationml/2006/main">
+  <p:cSld>
+    <p:spTree>
+      <p:nvGrpSpPr>
+        <p:cNvPr id="1" name=""/>
+        <p:cNvGrpSpPr/>
+        <p:nvPr/>
+      </p:nvGrpSpPr>
+      <p:grpSpPr>
+        <a:xfrm>
+          <a:off x="0" y="0"/>
+          <a:ext cx="0" cy="0"/>
+          <a:chOff x="0" y="0"/>
+          <a:chExt cx="0" cy="0"/>
+        </a:xfrm>
+      </p:grpSpPr>
+      <p:sp>
+        <p:nvSpPr>
+          <p:cNvPr id="2" name="Title 1">
+            <a:extLst>
+              <a:ext uri="{FF2B5EF4-FFF2-40B4-BE49-F238E27FC236}">
+                <a16:creationId xmlns:a16="http://schemas.microsoft.com/office/drawing/2014/main" id="{B512F016-3F9F-435E-DC65-ED990E1BAF34}"/>
+              </a:ext>
+            </a:extLst>
+          </p:cNvPr>
+          <p:cNvSpPr>
+            <a:spLocks noGrp="1"/>
+          </p:cNvSpPr>
+          <p:nvPr>
+            <p:ph type="title"/>
+          </p:nvPr>
+        </p:nvSpPr>
+        <p:spPr/>
+        <p:txBody>
+          <a:bodyPr/>
+          <a:lstStyle/>
+          <a:p>
+            <a:r>
+              <a:rPr lang="en-US" dirty="0"/>
+              <a:t>Related analyses</a:t>
+            </a:r>
+          </a:p>
+        </p:txBody>
+      </p:sp>
+      <p:sp>
+        <p:nvSpPr>
+          <p:cNvPr id="3" name="Content Placeholder 2">
+            <a:extLst>
+              <a:ext uri="{FF2B5EF4-FFF2-40B4-BE49-F238E27FC236}">
+                <a16:creationId xmlns:a16="http://schemas.microsoft.com/office/drawing/2014/main" id="{E83C6A88-0692-5DB9-1DE4-584300149F70}"/>
+              </a:ext>
+            </a:extLst>
+          </p:cNvPr>
+          <p:cNvSpPr>
+            <a:spLocks noGrp="1"/>
+          </p:cNvSpPr>
+          <p:nvPr>
+            <p:ph idx="1"/>
+          </p:nvPr>
+        </p:nvSpPr>
+        <p:spPr/>
+        <p:txBody>
+          <a:bodyPr/>
+          <a:lstStyle/>
+          <a:p>
+            <a:r>
+              <a:rPr lang="en-US" dirty="0"/>
+              <a:t>Spearman’s rank correlation</a:t>
+            </a:r>
+          </a:p>
+          <a:p>
+            <a:pPr lvl="1"/>
+            <a:r>
+              <a:rPr lang="en-US" dirty="0"/>
+              <a:t>For unusual distributions</a:t>
+            </a:r>
+          </a:p>
+          <a:p>
+            <a:r>
+              <a:rPr lang="en-US" dirty="0"/>
+              <a:t>Regression</a:t>
+            </a:r>
+          </a:p>
+          <a:p>
+            <a:pPr lvl="1"/>
+            <a:r>
+              <a:rPr lang="en-US" dirty="0"/>
+              <a:t>General linear modeling (GLM)</a:t>
+            </a:r>
+          </a:p>
+          <a:p>
+            <a:pPr lvl="1"/>
+            <a:r>
+              <a:rPr lang="en-US" dirty="0"/>
+              <a:t>Percentage of variance accounted for: r</a:t>
+            </a:r>
+            <a:r>
+              <a:rPr lang="en-US" baseline="30000" dirty="0"/>
+              <a:t>2</a:t>
+            </a:r>
+          </a:p>
+          <a:p>
+            <a:pPr lvl="1"/>
+            <a:r>
+              <a:rPr lang="en-US" dirty="0"/>
+              <a:t>ANCOVA</a:t>
+            </a:r>
+          </a:p>
+          <a:p>
+            <a:r>
+              <a:rPr lang="en-US" dirty="0"/>
+              <a:t>Multivariate techniques</a:t>
+            </a:r>
+          </a:p>
+          <a:p>
+            <a:pPr lvl="1"/>
+            <a:r>
+              <a:rPr lang="en-US" dirty="0"/>
+              <a:t>Correlation matrices</a:t>
+            </a:r>
+          </a:p>
+          <a:p>
+            <a:pPr lvl="1"/>
+            <a:r>
+              <a:rPr lang="en-US" dirty="0"/>
+              <a:t>Factor analysis</a:t>
+            </a:r>
+          </a:p>
+          <a:p>
+            <a:pPr lvl="1"/>
+            <a:r>
+              <a:rPr lang="en-US" dirty="0"/>
+              <a:t>Structural equation modeling</a:t>
+            </a:r>
+          </a:p>
+        </p:txBody>
+      </p:sp>
+    </p:spTree>
+    <p:extLst>
+      <p:ext uri="{BB962C8B-B14F-4D97-AF65-F5344CB8AC3E}">
+        <p14:creationId xmlns:p14="http://schemas.microsoft.com/office/powerpoint/2010/main" val="3548538195"/>
+      </p:ext>
+    </p:extLst>
+  </p:cSld>
+  <p:clrMapOvr>
+    <a:masterClrMapping/>
+  </p:clrMapOvr>
+</p:sld>
+</file>
+
+<file path=ppt/slides/slide13.xml><?xml version="1.0" encoding="utf-8"?>
+<p:sld xmlns:a="http://schemas.openxmlformats.org/drawingml/2006/main" xmlns:r="http://schemas.openxmlformats.org/officeDocument/2006/relationships" xmlns:p="http://schemas.openxmlformats.org/presentationml/2006/main">
+  <p:cSld>
+    <p:spTree>
+      <p:nvGrpSpPr>
+        <p:cNvPr id="1" name=""/>
+        <p:cNvGrpSpPr/>
+        <p:nvPr/>
+      </p:nvGrpSpPr>
+      <p:grpSpPr>
+        <a:xfrm>
+          <a:off x="0" y="0"/>
+          <a:ext cx="0" cy="0"/>
+          <a:chOff x="0" y="0"/>
+          <a:chExt cx="0" cy="0"/>
+        </a:xfrm>
+      </p:grpSpPr>
+      <p:sp>
+        <p:nvSpPr>
+          <p:cNvPr id="5122" name="Rectangle 2"/>
+          <p:cNvSpPr>
+            <a:spLocks noGrp="1" noChangeArrowheads="1"/>
+          </p:cNvSpPr>
+          <p:nvPr>
+            <p:ph type="title"/>
+          </p:nvPr>
+        </p:nvSpPr>
+        <p:spPr/>
+        <p:txBody>
+          <a:bodyPr/>
+          <a:lstStyle/>
+          <a:p>
+            <a:r>
+              <a:rPr lang="en-US"/>
+              <a:t>Mum effect</a:t>
+            </a:r>
+          </a:p>
+        </p:txBody>
+      </p:sp>
+      <p:sp>
+        <p:nvSpPr>
+          <p:cNvPr id="5123" name="Rectangle 3"/>
+          <p:cNvSpPr>
+            <a:spLocks noGrp="1" noChangeArrowheads="1"/>
+          </p:cNvSpPr>
+          <p:nvPr>
+            <p:ph type="body" idx="1"/>
+          </p:nvPr>
+        </p:nvSpPr>
+        <p:spPr>
+          <a:xfrm>
+            <a:off x="838200" y="1371600"/>
+            <a:ext cx="9372600" cy="5105400"/>
+          </a:xfrm>
+        </p:spPr>
+        <p:txBody>
+          <a:bodyPr>
+            <a:normAutofit fontScale="92500"/>
+          </a:bodyPr>
+          <a:lstStyle/>
+          <a:p>
+            <a:pPr>
+              <a:lnSpc>
+                <a:spcPct val="80000"/>
+              </a:lnSpc>
+            </a:pPr>
+            <a:r>
+              <a:rPr lang="en-US" sz="2400" dirty="0"/>
+              <a:t>A “lost postcard” technique was employed to examine attitudes towards informing people of their romantic partner’s apparent infidelity.  Stamped and addressed postcards were left on the windshields of 180 cars parked near mailboxes, with an accompanying handwritten note reading “Found this by your car – is it yours?”</a:t>
+            </a:r>
+          </a:p>
+          <a:p>
+            <a:pPr>
+              <a:lnSpc>
+                <a:spcPct val="80000"/>
+              </a:lnSpc>
+            </a:pPr>
+            <a:r>
+              <a:rPr lang="en-US" sz="2400" dirty="0"/>
+              <a:t>One-third (60) of the cards had a neutral/good news (control) message, “Glad to hear you’ve working things out.  We’re getting along better too.  Keep in touch.”  Thirty of these were addressed to a male, 30 to a female.</a:t>
+            </a:r>
+          </a:p>
+          <a:p>
+            <a:pPr>
+              <a:lnSpc>
+                <a:spcPct val="80000"/>
+              </a:lnSpc>
+            </a:pPr>
+            <a:r>
+              <a:rPr lang="en-US" sz="2400" dirty="0"/>
+              <a:t>The other 120 cards, equally divided by gender, informed the addressee of his (her) girlfriend’s (boyfriend’s) apparent infidelity, in the following message: “Dear Bob [Judy], I hate to be the one to tell you this, but I think I saw you girlfriend Ann [boyfriend Bob] coming out of the Travelodge off El Cajon Blvd with another guy (woman) on Thursday.  It might not be important, but I didn’t know how to tell you in person – Barry [Beth]”</a:t>
+            </a:r>
+          </a:p>
+          <a:p>
+            <a:pPr lvl="1">
+              <a:lnSpc>
+                <a:spcPct val="80000"/>
+              </a:lnSpc>
+            </a:pPr>
+            <a:r>
+              <a:rPr lang="en-US" dirty="0"/>
+              <a:t>35 good news postcards were returned</a:t>
+            </a:r>
+          </a:p>
+          <a:p>
+            <a:pPr lvl="1">
+              <a:lnSpc>
+                <a:spcPct val="80000"/>
+              </a:lnSpc>
+            </a:pPr>
+            <a:r>
+              <a:rPr lang="en-US" dirty="0"/>
+              <a:t>23 bad news postcards were returned: </a:t>
+            </a:r>
+          </a:p>
+          <a:p>
+            <a:pPr lvl="1">
+              <a:lnSpc>
+                <a:spcPct val="80000"/>
+              </a:lnSpc>
+            </a:pPr>
+            <a:r>
+              <a:rPr lang="en-US" dirty="0"/>
+              <a:t>19 to addressed to Bob, 4 to Judy</a:t>
+            </a:r>
+          </a:p>
+        </p:txBody>
+      </p:sp>
+    </p:spTree>
+    <p:extLst>
+      <p:ext uri="{BB962C8B-B14F-4D97-AF65-F5344CB8AC3E}">
+        <p14:creationId xmlns:p14="http://schemas.microsoft.com/office/powerpoint/2010/main" val="3542977890"/>
+      </p:ext>
+    </p:extLst>
+  </p:cSld>
+  <p:clrMapOvr>
+    <a:masterClrMapping/>
+  </p:clrMapOvr>
+</p:sld>
+</file>
+
+<file path=ppt/slides/slide14.xml><?xml version="1.0" encoding="utf-8"?>
+<p:sld xmlns:a="http://schemas.openxmlformats.org/drawingml/2006/main" xmlns:r="http://schemas.openxmlformats.org/officeDocument/2006/relationships" xmlns:p="http://schemas.openxmlformats.org/presentationml/2006/main">
+  <p:cSld>
+    <p:spTree>
+      <p:nvGrpSpPr>
+        <p:cNvPr id="1" name=""/>
+        <p:cNvGrpSpPr/>
+        <p:nvPr/>
+      </p:nvGrpSpPr>
+      <p:grpSpPr>
+        <a:xfrm>
+          <a:off x="0" y="0"/>
+          <a:ext cx="0" cy="0"/>
+          <a:chOff x="0" y="0"/>
+          <a:chExt cx="0" cy="0"/>
+        </a:xfrm>
+      </p:grpSpPr>
+      <p:sp>
+        <p:nvSpPr>
           <p:cNvPr id="6146" name="Rectangle 2"/>
           <p:cNvSpPr>
             <a:spLocks noGrp="1" noChangeArrowheads="1"/>
@@ -6045,7 +6560,7 @@
 </p:sld>
 </file>
 
-<file path=ppt/slides/slide12.xml><?xml version="1.0" encoding="utf-8"?>
+<file path=ppt/slides/slide15.xml><?xml version="1.0" encoding="utf-8"?>
 <p:sld xmlns:a="http://schemas.openxmlformats.org/drawingml/2006/main" xmlns:r="http://schemas.openxmlformats.org/officeDocument/2006/relationships" xmlns:p="http://schemas.openxmlformats.org/presentationml/2006/main">
   <p:cSld>
     <p:spTree>
@@ -7884,7 +8399,7 @@
 </p:sld>
 </file>
 
-<file path=ppt/slides/slide13.xml><?xml version="1.0" encoding="utf-8"?>
+<file path=ppt/slides/slide16.xml><?xml version="1.0" encoding="utf-8"?>
 <p:sld xmlns:a="http://schemas.openxmlformats.org/drawingml/2006/main" xmlns:r="http://schemas.openxmlformats.org/officeDocument/2006/relationships" xmlns:p="http://schemas.openxmlformats.org/presentationml/2006/main">
   <p:cSld>
     <p:spTree>
@@ -8052,7 +8567,7 @@
 </p:sld>
 </file>
 
-<file path=ppt/slides/slide14.xml><?xml version="1.0" encoding="utf-8"?>
+<file path=ppt/slides/slide17.xml><?xml version="1.0" encoding="utf-8"?>
 <p:sld xmlns:a="http://schemas.openxmlformats.org/drawingml/2006/main" xmlns:r="http://schemas.openxmlformats.org/officeDocument/2006/relationships" xmlns:p="http://schemas.openxmlformats.org/presentationml/2006/main">
   <p:cSld>
     <p:spTree>
@@ -9874,7 +10389,7 @@
 </p:sld>
 </file>
 
-<file path=ppt/slides/slide15.xml><?xml version="1.0" encoding="utf-8"?>
+<file path=ppt/slides/slide18.xml><?xml version="1.0" encoding="utf-8"?>
 <p:sld xmlns:a="http://schemas.openxmlformats.org/drawingml/2006/main" xmlns:r="http://schemas.openxmlformats.org/officeDocument/2006/relationships" xmlns:p="http://schemas.openxmlformats.org/presentationml/2006/main">
   <p:cSld>
     <p:spTree>
@@ -10000,9 +10515,15 @@
       </p:grpSpPr>
       <p:sp>
         <p:nvSpPr>
-          <p:cNvPr id="21506" name="Rectangle 2"/>
-          <p:cNvSpPr>
-            <a:spLocks noGrp="1" noChangeArrowheads="1"/>
+          <p:cNvPr id="2" name="Title 1">
+            <a:extLst>
+              <a:ext uri="{FF2B5EF4-FFF2-40B4-BE49-F238E27FC236}">
+                <a16:creationId xmlns:a16="http://schemas.microsoft.com/office/drawing/2014/main" id="{8C92095E-6542-1B8B-1DB4-C257550D3DCA}"/>
+              </a:ext>
+            </a:extLst>
+          </p:cNvPr>
+          <p:cNvSpPr>
+            <a:spLocks noGrp="1"/>
           </p:cNvSpPr>
           <p:nvPr>
             <p:ph type="title"/>
@@ -10014,227 +10535,122 @@
           <a:lstStyle/>
           <a:p>
             <a:r>
-              <a:rPr lang="en-US"/>
-              <a:t>Wason Card Task</a:t>
-            </a:r>
-          </a:p>
-        </p:txBody>
-      </p:sp>
-      <p:sp>
-        <p:nvSpPr>
-          <p:cNvPr id="21508" name="Rectangle 4"/>
-          <p:cNvSpPr>
-            <a:spLocks noChangeArrowheads="1"/>
-          </p:cNvSpPr>
-          <p:nvPr/>
-        </p:nvSpPr>
-        <p:spPr bwMode="auto">
-          <a:xfrm>
-            <a:off x="2667000" y="2057400"/>
-            <a:ext cx="1066800" cy="1676400"/>
-          </a:xfrm>
-          <a:prstGeom prst="rect">
-            <a:avLst/>
-          </a:prstGeom>
-          <a:solidFill>
-            <a:schemeClr val="accent1"/>
-          </a:solidFill>
-          <a:ln w="9525">
-            <a:solidFill>
-              <a:schemeClr val="tx1"/>
-            </a:solidFill>
-            <a:miter lim="800000"/>
-            <a:headEnd/>
-            <a:tailEnd/>
-          </a:ln>
-          <a:effectLst/>
-        </p:spPr>
-        <p:txBody>
-          <a:bodyPr wrap="none" anchor="ctr"/>
-          <a:lstStyle/>
-          <a:p>
-            <a:pPr algn="ctr"/>
-            <a:r>
-              <a:rPr lang="en-US" sz="3200"/>
-              <a:t>A</a:t>
-            </a:r>
-          </a:p>
-        </p:txBody>
-      </p:sp>
-      <p:sp>
-        <p:nvSpPr>
-          <p:cNvPr id="21509" name="Rectangle 5"/>
-          <p:cNvSpPr>
-            <a:spLocks noChangeArrowheads="1"/>
-          </p:cNvSpPr>
-          <p:nvPr/>
-        </p:nvSpPr>
-        <p:spPr bwMode="auto">
-          <a:xfrm>
-            <a:off x="4521200" y="2057400"/>
-            <a:ext cx="1066800" cy="1676400"/>
-          </a:xfrm>
-          <a:prstGeom prst="rect">
-            <a:avLst/>
-          </a:prstGeom>
-          <a:solidFill>
-            <a:schemeClr val="accent1"/>
-          </a:solidFill>
-          <a:ln w="9525">
-            <a:solidFill>
-              <a:schemeClr val="tx1"/>
-            </a:solidFill>
-            <a:miter lim="800000"/>
-            <a:headEnd/>
-            <a:tailEnd/>
-          </a:ln>
-          <a:effectLst/>
-        </p:spPr>
-        <p:txBody>
-          <a:bodyPr wrap="none" anchor="ctr"/>
-          <a:lstStyle/>
-          <a:p>
-            <a:pPr algn="ctr"/>
-            <a:r>
-              <a:rPr lang="en-US" sz="3200"/>
-              <a:t>D</a:t>
-            </a:r>
-          </a:p>
-        </p:txBody>
-      </p:sp>
-      <p:sp>
-        <p:nvSpPr>
-          <p:cNvPr id="21510" name="Rectangle 6"/>
-          <p:cNvSpPr>
-            <a:spLocks noChangeArrowheads="1"/>
-          </p:cNvSpPr>
-          <p:nvPr/>
-        </p:nvSpPr>
-        <p:spPr bwMode="auto">
-          <a:xfrm>
-            <a:off x="6375400" y="2057400"/>
-            <a:ext cx="1066800" cy="1676400"/>
-          </a:xfrm>
-          <a:prstGeom prst="rect">
-            <a:avLst/>
-          </a:prstGeom>
-          <a:solidFill>
-            <a:schemeClr val="accent1"/>
-          </a:solidFill>
-          <a:ln w="9525">
-            <a:solidFill>
-              <a:schemeClr val="tx1"/>
-            </a:solidFill>
-            <a:miter lim="800000"/>
-            <a:headEnd/>
-            <a:tailEnd/>
-          </a:ln>
-          <a:effectLst/>
-        </p:spPr>
-        <p:txBody>
-          <a:bodyPr wrap="none" anchor="ctr"/>
-          <a:lstStyle/>
-          <a:p>
-            <a:pPr algn="ctr"/>
-            <a:r>
-              <a:rPr lang="en-US" sz="3200"/>
-              <a:t>4</a:t>
-            </a:r>
-          </a:p>
-        </p:txBody>
-      </p:sp>
-      <p:sp>
-        <p:nvSpPr>
-          <p:cNvPr id="21511" name="Rectangle 7"/>
-          <p:cNvSpPr>
-            <a:spLocks noChangeArrowheads="1"/>
-          </p:cNvSpPr>
-          <p:nvPr/>
-        </p:nvSpPr>
-        <p:spPr bwMode="auto">
-          <a:xfrm>
-            <a:off x="8229600" y="2057400"/>
-            <a:ext cx="1066800" cy="1676400"/>
-          </a:xfrm>
-          <a:prstGeom prst="rect">
-            <a:avLst/>
-          </a:prstGeom>
-          <a:solidFill>
-            <a:schemeClr val="accent1"/>
-          </a:solidFill>
-          <a:ln w="9525">
-            <a:solidFill>
-              <a:schemeClr val="tx1"/>
-            </a:solidFill>
-            <a:miter lim="800000"/>
-            <a:headEnd/>
-            <a:tailEnd/>
-          </a:ln>
-          <a:effectLst/>
-        </p:spPr>
-        <p:txBody>
-          <a:bodyPr wrap="none" anchor="ctr"/>
-          <a:lstStyle/>
-          <a:p>
-            <a:pPr algn="ctr"/>
-            <a:r>
-              <a:rPr lang="en-US" sz="3200"/>
-              <a:t>7</a:t>
-            </a:r>
-          </a:p>
-        </p:txBody>
-      </p:sp>
-      <p:sp>
-        <p:nvSpPr>
-          <p:cNvPr id="21512" name="Text Box 8"/>
-          <p:cNvSpPr txBox="1">
-            <a:spLocks noChangeArrowheads="1"/>
-          </p:cNvSpPr>
-          <p:nvPr/>
-        </p:nvSpPr>
-        <p:spPr bwMode="auto">
-          <a:xfrm>
-            <a:off x="2514601" y="4495800"/>
-            <a:ext cx="6950075" cy="1815882"/>
-          </a:xfrm>
-          <a:prstGeom prst="rect">
-            <a:avLst/>
-          </a:prstGeom>
-          <a:noFill/>
-          <a:ln w="9525">
-            <a:noFill/>
-            <a:miter lim="800000"/>
-            <a:headEnd/>
-            <a:tailEnd/>
-          </a:ln>
-          <a:effectLst/>
-        </p:spPr>
+              <a:rPr lang="en-US" dirty="0"/>
+              <a:t>Final projects, 10am</a:t>
+            </a:r>
+          </a:p>
+        </p:txBody>
+      </p:sp>
+      <p:sp>
+        <p:nvSpPr>
+          <p:cNvPr id="3" name="Content Placeholder 2">
+            <a:extLst>
+              <a:ext uri="{FF2B5EF4-FFF2-40B4-BE49-F238E27FC236}">
+                <a16:creationId xmlns:a16="http://schemas.microsoft.com/office/drawing/2014/main" id="{E51E2B15-886C-6DD0-F9DA-D85675F18BA9}"/>
+              </a:ext>
+            </a:extLst>
+          </p:cNvPr>
+          <p:cNvSpPr>
+            <a:spLocks noGrp="1"/>
+          </p:cNvSpPr>
+          <p:nvPr>
+            <p:ph idx="1"/>
+          </p:nvPr>
+        </p:nvSpPr>
+        <p:spPr/>
         <p:txBody>
           <a:bodyPr>
-            <a:spAutoFit/>
+            <a:normAutofit fontScale="92500" lnSpcReduction="20000"/>
           </a:bodyPr>
           <a:lstStyle/>
           <a:p>
             <a:r>
-              <a:rPr lang="en-US" sz="2800"/>
-              <a:t>Hypothesis: If a card has a vowel on one side, then it has an even number on the other side.</a:t>
-            </a:r>
-          </a:p>
-          <a:p>
-            <a:endParaRPr lang="en-US" sz="2800"/>
-          </a:p>
-          <a:p>
-            <a:r>
-              <a:rPr lang="en-US" sz="2800"/>
-              <a:t>Which cards do you turn over?</a:t>
-            </a:r>
+              <a:rPr lang="en-US" dirty="0"/>
+              <a:t>The Effect of Self-Perception on Creativity</a:t>
+            </a:r>
+          </a:p>
+          <a:p>
+            <a:pPr lvl="1"/>
+            <a:r>
+              <a:rPr lang="en-US" dirty="0"/>
+              <a:t>Danielle, Leah, Lucy, Nithya</a:t>
+            </a:r>
+          </a:p>
+          <a:p>
+            <a:r>
+              <a:rPr lang="en-US" dirty="0"/>
+              <a:t>TBA</a:t>
+            </a:r>
+          </a:p>
+          <a:p>
+            <a:pPr lvl="1"/>
+            <a:r>
+              <a:rPr lang="en-US" dirty="0"/>
+              <a:t>Abigail, Esther, Katherine</a:t>
+            </a:r>
+          </a:p>
+          <a:p>
+            <a:r>
+              <a:rPr lang="en-US" dirty="0"/>
+              <a:t>The Influence of Color and Gender on Mood</a:t>
+            </a:r>
+          </a:p>
+          <a:p>
+            <a:pPr lvl="1"/>
+            <a:r>
+              <a:rPr lang="en-US" dirty="0"/>
+              <a:t>Gracey, Lea, Louisa, Patrick</a:t>
+            </a:r>
+          </a:p>
+          <a:p>
+            <a:r>
+              <a:rPr lang="en-US" dirty="0"/>
+              <a:t>Distracting Ringtones and Their Effects on Classroom Focus</a:t>
+            </a:r>
+          </a:p>
+          <a:p>
+            <a:pPr lvl="1"/>
+            <a:r>
+              <a:rPr lang="en-US" dirty="0"/>
+              <a:t>Madison, Neil, Peter, Sophia</a:t>
+            </a:r>
+          </a:p>
+          <a:p>
+            <a:r>
+              <a:rPr lang="en-US" dirty="0"/>
+              <a:t>TBA</a:t>
+            </a:r>
+          </a:p>
+          <a:p>
+            <a:pPr lvl="1"/>
+            <a:r>
+              <a:rPr lang="en-US" dirty="0"/>
+              <a:t>Asher, Charlotte, Dominic, Alena</a:t>
+            </a:r>
+          </a:p>
+          <a:p>
+            <a:r>
+              <a:rPr lang="en-US" dirty="0"/>
+              <a:t>Impact of Confidence Priming on Self-Serving Bias in Memory</a:t>
+            </a:r>
+          </a:p>
+          <a:p>
+            <a:pPr lvl="1"/>
+            <a:r>
+              <a:rPr lang="en-US" dirty="0"/>
+              <a:t>Camille, Myles, Philip</a:t>
+            </a:r>
+          </a:p>
+          <a:p>
+            <a:pPr lvl="1"/>
+            <a:endParaRPr lang="en-US" dirty="0"/>
           </a:p>
         </p:txBody>
       </p:sp>
     </p:spTree>
     <p:extLst>
       <p:ext uri="{BB962C8B-B14F-4D97-AF65-F5344CB8AC3E}">
-        <p14:creationId xmlns:p14="http://schemas.microsoft.com/office/powerpoint/2010/main" val="2094656532"/>
+        <p14:creationId xmlns:p14="http://schemas.microsoft.com/office/powerpoint/2010/main" val="1741579758"/>
       </p:ext>
     </p:extLst>
   </p:cSld>
@@ -10263,9 +10679,15 @@
       </p:grpSpPr>
       <p:sp>
         <p:nvSpPr>
-          <p:cNvPr id="7170" name="Rectangle 2"/>
-          <p:cNvSpPr>
-            <a:spLocks noGrp="1" noChangeArrowheads="1"/>
+          <p:cNvPr id="2" name="Title 1">
+            <a:extLst>
+              <a:ext uri="{FF2B5EF4-FFF2-40B4-BE49-F238E27FC236}">
+                <a16:creationId xmlns:a16="http://schemas.microsoft.com/office/drawing/2014/main" id="{6E96D9A0-345D-029B-5F3F-0C79B8D19D83}"/>
+              </a:ext>
+            </a:extLst>
+          </p:cNvPr>
+          <p:cNvSpPr>
+            <a:spLocks noGrp="1"/>
           </p:cNvSpPr>
           <p:nvPr>
             <p:ph type="title"/>
@@ -10277,236 +10699,125 @@
           <a:lstStyle/>
           <a:p>
             <a:r>
-              <a:rPr lang="en-US"/>
-              <a:t>The Bar Bouncer task</a:t>
-            </a:r>
-          </a:p>
-        </p:txBody>
-      </p:sp>
-      <p:sp>
-        <p:nvSpPr>
-          <p:cNvPr id="7171" name="Rectangle 4"/>
-          <p:cNvSpPr>
-            <a:spLocks noChangeArrowheads="1"/>
-          </p:cNvSpPr>
-          <p:nvPr/>
-        </p:nvSpPr>
-        <p:spPr bwMode="auto">
-          <a:xfrm>
-            <a:off x="2667000" y="2057400"/>
-            <a:ext cx="1066800" cy="1676400"/>
-          </a:xfrm>
-          <a:prstGeom prst="rect">
-            <a:avLst/>
-          </a:prstGeom>
-          <a:solidFill>
-            <a:schemeClr val="accent1"/>
-          </a:solidFill>
-          <a:ln w="9525">
-            <a:solidFill>
-              <a:schemeClr val="tx1"/>
-            </a:solidFill>
-            <a:miter lim="800000"/>
-            <a:headEnd/>
-            <a:tailEnd/>
-          </a:ln>
-        </p:spPr>
-        <p:txBody>
-          <a:bodyPr wrap="none" anchor="ctr"/>
-          <a:lstStyle/>
-          <a:p>
-            <a:pPr algn="ctr"/>
-            <a:r>
-              <a:rPr lang="en-US" sz="3200">
-                <a:latin typeface="Calibri" pitchFamily="34" charset="0"/>
-              </a:rPr>
-              <a:t>Soda</a:t>
-            </a:r>
-          </a:p>
-        </p:txBody>
-      </p:sp>
-      <p:sp>
-        <p:nvSpPr>
-          <p:cNvPr id="7172" name="Rectangle 5"/>
-          <p:cNvSpPr>
-            <a:spLocks noChangeArrowheads="1"/>
-          </p:cNvSpPr>
-          <p:nvPr/>
-        </p:nvSpPr>
-        <p:spPr bwMode="auto">
-          <a:xfrm>
-            <a:off x="4521200" y="2057400"/>
-            <a:ext cx="1066800" cy="1676400"/>
-          </a:xfrm>
-          <a:prstGeom prst="rect">
-            <a:avLst/>
-          </a:prstGeom>
-          <a:solidFill>
-            <a:schemeClr val="accent1"/>
-          </a:solidFill>
-          <a:ln w="9525">
-            <a:solidFill>
-              <a:schemeClr val="tx1"/>
-            </a:solidFill>
-            <a:miter lim="800000"/>
-            <a:headEnd/>
-            <a:tailEnd/>
-          </a:ln>
-        </p:spPr>
-        <p:txBody>
-          <a:bodyPr wrap="none" anchor="ctr"/>
-          <a:lstStyle/>
-          <a:p>
-            <a:pPr algn="ctr"/>
-            <a:r>
-              <a:rPr lang="en-US" sz="3200">
-                <a:latin typeface="Calibri" pitchFamily="34" charset="0"/>
-              </a:rPr>
-              <a:t>Beer</a:t>
-            </a:r>
-          </a:p>
-        </p:txBody>
-      </p:sp>
-      <p:sp>
-        <p:nvSpPr>
-          <p:cNvPr id="7173" name="Rectangle 6"/>
-          <p:cNvSpPr>
-            <a:spLocks noChangeArrowheads="1"/>
-          </p:cNvSpPr>
-          <p:nvPr/>
-        </p:nvSpPr>
-        <p:spPr bwMode="auto">
-          <a:xfrm>
-            <a:off x="6375400" y="2057400"/>
-            <a:ext cx="1066800" cy="1676400"/>
-          </a:xfrm>
-          <a:prstGeom prst="rect">
-            <a:avLst/>
-          </a:prstGeom>
-          <a:solidFill>
-            <a:schemeClr val="accent1"/>
-          </a:solidFill>
-          <a:ln w="9525">
-            <a:solidFill>
-              <a:schemeClr val="tx1"/>
-            </a:solidFill>
-            <a:miter lim="800000"/>
-            <a:headEnd/>
-            <a:tailEnd/>
-          </a:ln>
-        </p:spPr>
-        <p:txBody>
-          <a:bodyPr wrap="none" anchor="ctr"/>
-          <a:lstStyle/>
-          <a:p>
-            <a:pPr algn="ctr"/>
-            <a:r>
-              <a:rPr lang="en-US" sz="3200">
-                <a:latin typeface="Calibri" pitchFamily="34" charset="0"/>
-              </a:rPr>
-              <a:t>16</a:t>
-            </a:r>
-          </a:p>
-        </p:txBody>
-      </p:sp>
-      <p:sp>
-        <p:nvSpPr>
-          <p:cNvPr id="7174" name="Rectangle 7"/>
-          <p:cNvSpPr>
-            <a:spLocks noChangeArrowheads="1"/>
-          </p:cNvSpPr>
-          <p:nvPr/>
-        </p:nvSpPr>
-        <p:spPr bwMode="auto">
-          <a:xfrm>
-            <a:off x="8229600" y="2057400"/>
-            <a:ext cx="1066800" cy="1676400"/>
-          </a:xfrm>
-          <a:prstGeom prst="rect">
-            <a:avLst/>
-          </a:prstGeom>
-          <a:solidFill>
-            <a:schemeClr val="accent1"/>
-          </a:solidFill>
-          <a:ln w="9525">
-            <a:solidFill>
-              <a:schemeClr val="tx1"/>
-            </a:solidFill>
-            <a:miter lim="800000"/>
-            <a:headEnd/>
-            <a:tailEnd/>
-          </a:ln>
-        </p:spPr>
-        <p:txBody>
-          <a:bodyPr wrap="none" anchor="ctr"/>
-          <a:lstStyle/>
-          <a:p>
-            <a:pPr algn="ctr"/>
-            <a:r>
-              <a:rPr lang="en-US" sz="3200">
-                <a:latin typeface="Calibri" pitchFamily="34" charset="0"/>
-              </a:rPr>
-              <a:t>22</a:t>
-            </a:r>
-          </a:p>
-        </p:txBody>
-      </p:sp>
-      <p:sp>
-        <p:nvSpPr>
-          <p:cNvPr id="7175" name="Text Box 8"/>
-          <p:cNvSpPr txBox="1">
-            <a:spLocks noChangeArrowheads="1"/>
-          </p:cNvSpPr>
-          <p:nvPr/>
-        </p:nvSpPr>
-        <p:spPr bwMode="auto">
-          <a:xfrm>
-            <a:off x="2514601" y="4495800"/>
-            <a:ext cx="6950075" cy="1816100"/>
-          </a:xfrm>
-          <a:prstGeom prst="rect">
-            <a:avLst/>
-          </a:prstGeom>
-          <a:noFill/>
-          <a:ln w="9525">
-            <a:noFill/>
-            <a:miter lim="800000"/>
-            <a:headEnd/>
-            <a:tailEnd/>
-          </a:ln>
-        </p:spPr>
+              <a:rPr lang="en-US" dirty="0"/>
+              <a:t>Final Projects, 11am</a:t>
+            </a:r>
+          </a:p>
+        </p:txBody>
+      </p:sp>
+      <p:sp>
+        <p:nvSpPr>
+          <p:cNvPr id="3" name="Content Placeholder 2">
+            <a:extLst>
+              <a:ext uri="{FF2B5EF4-FFF2-40B4-BE49-F238E27FC236}">
+                <a16:creationId xmlns:a16="http://schemas.microsoft.com/office/drawing/2014/main" id="{33C385AD-685E-EDEC-7533-00C3EB533FC4}"/>
+              </a:ext>
+            </a:extLst>
+          </p:cNvPr>
+          <p:cNvSpPr>
+            <a:spLocks noGrp="1"/>
+          </p:cNvSpPr>
+          <p:nvPr>
+            <p:ph idx="1"/>
+          </p:nvPr>
+        </p:nvSpPr>
+        <p:spPr/>
         <p:txBody>
           <a:bodyPr>
-            <a:spAutoFit/>
+            <a:normAutofit fontScale="92500" lnSpcReduction="20000"/>
           </a:bodyPr>
           <a:lstStyle/>
           <a:p>
             <a:r>
-              <a:rPr lang="en-US" sz="2800">
-                <a:latin typeface="Calibri" pitchFamily="34" charset="0"/>
-              </a:rPr>
-              <a:t>Hypothesis: If a person is drinking beer, they must be 21 years or older…</a:t>
-            </a:r>
-          </a:p>
-          <a:p>
-            <a:endParaRPr lang="en-US" sz="2800">
-              <a:latin typeface="Calibri" pitchFamily="34" charset="0"/>
-            </a:endParaRPr>
-          </a:p>
-          <a:p>
-            <a:r>
-              <a:rPr lang="en-US" sz="2800">
-                <a:latin typeface="Calibri" pitchFamily="34" charset="0"/>
-              </a:rPr>
-              <a:t>Which cards do you turn over?</a:t>
-            </a:r>
+              <a:rPr lang="en-US" dirty="0"/>
+              <a:t>Attachment style and intimacy in friendship</a:t>
+            </a:r>
+          </a:p>
+          <a:p>
+            <a:pPr lvl="1"/>
+            <a:r>
+              <a:rPr lang="en-US" dirty="0"/>
+              <a:t>Hanna, Alexandra, Emilie, Hye-Won</a:t>
+            </a:r>
+          </a:p>
+          <a:p>
+            <a:r>
+              <a:rPr lang="en-US" dirty="0"/>
+              <a:t>Effects of time-pressure on decision making under uncertainty</a:t>
+            </a:r>
+          </a:p>
+          <a:p>
+            <a:pPr lvl="1"/>
+            <a:r>
+              <a:rPr lang="en-US" dirty="0"/>
+              <a:t>Miles, Alex, Owen</a:t>
+            </a:r>
+          </a:p>
+          <a:p>
+            <a:r>
+              <a:rPr lang="en-US" dirty="0"/>
+              <a:t>TBA</a:t>
+            </a:r>
+          </a:p>
+          <a:p>
+            <a:pPr lvl="1"/>
+            <a:r>
+              <a:rPr lang="en-US" dirty="0"/>
+              <a:t>Matt, Claribel, Victoria</a:t>
+            </a:r>
+          </a:p>
+          <a:p>
+            <a:r>
+              <a:rPr lang="en-US" dirty="0"/>
+              <a:t>Beauty Requires Thought</a:t>
+            </a:r>
+          </a:p>
+          <a:p>
+            <a:pPr lvl="1"/>
+            <a:r>
+              <a:rPr lang="en-US" dirty="0" err="1"/>
+              <a:t>Quira</a:t>
+            </a:r>
+            <a:r>
+              <a:rPr lang="en-US" dirty="0"/>
+              <a:t>, Ronghe, Meredith</a:t>
+            </a:r>
+          </a:p>
+          <a:p>
+            <a:r>
+              <a:rPr lang="en-US" dirty="0"/>
+              <a:t>TBA</a:t>
+            </a:r>
+          </a:p>
+          <a:p>
+            <a:pPr lvl="1"/>
+            <a:r>
+              <a:rPr lang="en-US" dirty="0"/>
+              <a:t>Seoyeon, Margot, Fernanda, Neha</a:t>
+            </a:r>
+          </a:p>
+          <a:p>
+            <a:r>
+              <a:rPr lang="en-US" dirty="0"/>
+              <a:t>Physical contact and financial risk taking</a:t>
+            </a:r>
+          </a:p>
+          <a:p>
+            <a:pPr lvl="1"/>
+            <a:r>
+              <a:rPr lang="en-US" dirty="0"/>
+              <a:t>Yinghan, Alyssa, Cole</a:t>
+            </a:r>
+          </a:p>
+          <a:p>
+            <a:endParaRPr lang="en-US" dirty="0"/>
           </a:p>
         </p:txBody>
       </p:sp>
     </p:spTree>
     <p:extLst>
       <p:ext uri="{BB962C8B-B14F-4D97-AF65-F5344CB8AC3E}">
-        <p14:creationId xmlns:p14="http://schemas.microsoft.com/office/powerpoint/2010/main" val="1291652780"/>
+        <p14:creationId xmlns:p14="http://schemas.microsoft.com/office/powerpoint/2010/main" val="3808159464"/>
       </p:ext>
     </p:extLst>
   </p:cSld>
@@ -10535,6 +10846,669 @@
       </p:grpSpPr>
       <p:sp>
         <p:nvSpPr>
+          <p:cNvPr id="2" name="Title 1">
+            <a:extLst>
+              <a:ext uri="{FF2B5EF4-FFF2-40B4-BE49-F238E27FC236}">
+                <a16:creationId xmlns:a16="http://schemas.microsoft.com/office/drawing/2014/main" id="{9D2BC2DE-D103-DEB3-8C78-80BA9811D8DC}"/>
+              </a:ext>
+            </a:extLst>
+          </p:cNvPr>
+          <p:cNvSpPr>
+            <a:spLocks noGrp="1"/>
+          </p:cNvSpPr>
+          <p:nvPr>
+            <p:ph type="title"/>
+          </p:nvPr>
+        </p:nvSpPr>
+        <p:spPr/>
+        <p:txBody>
+          <a:bodyPr/>
+          <a:lstStyle/>
+          <a:p>
+            <a:r>
+              <a:rPr lang="en-US" dirty="0"/>
+              <a:t>Final Projects</a:t>
+            </a:r>
+          </a:p>
+        </p:txBody>
+      </p:sp>
+      <p:sp>
+        <p:nvSpPr>
+          <p:cNvPr id="3" name="Content Placeholder 2">
+            <a:extLst>
+              <a:ext uri="{FF2B5EF4-FFF2-40B4-BE49-F238E27FC236}">
+                <a16:creationId xmlns:a16="http://schemas.microsoft.com/office/drawing/2014/main" id="{5A308D04-C763-AB98-C2A4-95C1291864B7}"/>
+              </a:ext>
+            </a:extLst>
+          </p:cNvPr>
+          <p:cNvSpPr>
+            <a:spLocks noGrp="1"/>
+          </p:cNvSpPr>
+          <p:nvPr>
+            <p:ph idx="1"/>
+          </p:nvPr>
+        </p:nvSpPr>
+        <p:spPr/>
+        <p:txBody>
+          <a:bodyPr/>
+          <a:lstStyle/>
+          <a:p>
+            <a:r>
+              <a:rPr lang="en-US" dirty="0"/>
+              <a:t>Post proposal outline to Group page on Canvas</a:t>
+            </a:r>
+          </a:p>
+          <a:p>
+            <a:pPr lvl="1"/>
+            <a:r>
+              <a:rPr lang="en-US" dirty="0"/>
+              <a:t>Describe your 2x2 design</a:t>
+            </a:r>
+          </a:p>
+          <a:p>
+            <a:pPr lvl="1"/>
+            <a:r>
+              <a:rPr lang="en-US" dirty="0"/>
+              <a:t>Be clear which is your manipulated factor</a:t>
+            </a:r>
+          </a:p>
+          <a:p>
+            <a:pPr lvl="1"/>
+            <a:r>
+              <a:rPr lang="en-US" dirty="0"/>
+              <a:t>Describe the method you plan to use to collect your DV</a:t>
+            </a:r>
+          </a:p>
+          <a:p>
+            <a:pPr lvl="1"/>
+            <a:endParaRPr lang="en-US" dirty="0"/>
+          </a:p>
+          <a:p>
+            <a:r>
+              <a:rPr lang="en-US" dirty="0"/>
+              <a:t>Post by end of day Tuesday</a:t>
+            </a:r>
+          </a:p>
+          <a:p>
+            <a:pPr lvl="1"/>
+            <a:r>
+              <a:rPr lang="en-US" dirty="0"/>
+              <a:t>We </a:t>
+            </a:r>
+            <a:r>
+              <a:rPr lang="en-US"/>
+              <a:t>will check in again Wed</a:t>
+            </a:r>
+          </a:p>
+        </p:txBody>
+      </p:sp>
+    </p:spTree>
+    <p:extLst>
+      <p:ext uri="{BB962C8B-B14F-4D97-AF65-F5344CB8AC3E}">
+        <p14:creationId xmlns:p14="http://schemas.microsoft.com/office/powerpoint/2010/main" val="39340367"/>
+      </p:ext>
+    </p:extLst>
+  </p:cSld>
+  <p:clrMapOvr>
+    <a:masterClrMapping/>
+  </p:clrMapOvr>
+</p:sld>
+</file>
+
+<file path=ppt/slides/slide5.xml><?xml version="1.0" encoding="utf-8"?>
+<p:sld xmlns:a="http://schemas.openxmlformats.org/drawingml/2006/main" xmlns:r="http://schemas.openxmlformats.org/officeDocument/2006/relationships" xmlns:p="http://schemas.openxmlformats.org/presentationml/2006/main">
+  <p:cSld>
+    <p:spTree>
+      <p:nvGrpSpPr>
+        <p:cNvPr id="1" name=""/>
+        <p:cNvGrpSpPr/>
+        <p:nvPr/>
+      </p:nvGrpSpPr>
+      <p:grpSpPr>
+        <a:xfrm>
+          <a:off x="0" y="0"/>
+          <a:ext cx="0" cy="0"/>
+          <a:chOff x="0" y="0"/>
+          <a:chExt cx="0" cy="0"/>
+        </a:xfrm>
+      </p:grpSpPr>
+      <p:sp>
+        <p:nvSpPr>
+          <p:cNvPr id="21506" name="Rectangle 2"/>
+          <p:cNvSpPr>
+            <a:spLocks noGrp="1" noChangeArrowheads="1"/>
+          </p:cNvSpPr>
+          <p:nvPr>
+            <p:ph type="title"/>
+          </p:nvPr>
+        </p:nvSpPr>
+        <p:spPr/>
+        <p:txBody>
+          <a:bodyPr/>
+          <a:lstStyle/>
+          <a:p>
+            <a:r>
+              <a:rPr lang="en-US"/>
+              <a:t>Wason Card Task</a:t>
+            </a:r>
+          </a:p>
+        </p:txBody>
+      </p:sp>
+      <p:sp>
+        <p:nvSpPr>
+          <p:cNvPr id="21508" name="Rectangle 4"/>
+          <p:cNvSpPr>
+            <a:spLocks noChangeArrowheads="1"/>
+          </p:cNvSpPr>
+          <p:nvPr/>
+        </p:nvSpPr>
+        <p:spPr bwMode="auto">
+          <a:xfrm>
+            <a:off x="2667000" y="2057400"/>
+            <a:ext cx="1066800" cy="1676400"/>
+          </a:xfrm>
+          <a:prstGeom prst="rect">
+            <a:avLst/>
+          </a:prstGeom>
+          <a:solidFill>
+            <a:schemeClr val="accent1"/>
+          </a:solidFill>
+          <a:ln w="9525">
+            <a:solidFill>
+              <a:schemeClr val="tx1"/>
+            </a:solidFill>
+            <a:miter lim="800000"/>
+            <a:headEnd/>
+            <a:tailEnd/>
+          </a:ln>
+          <a:effectLst/>
+        </p:spPr>
+        <p:txBody>
+          <a:bodyPr wrap="none" anchor="ctr"/>
+          <a:lstStyle/>
+          <a:p>
+            <a:pPr algn="ctr"/>
+            <a:r>
+              <a:rPr lang="en-US" sz="3200"/>
+              <a:t>A</a:t>
+            </a:r>
+          </a:p>
+        </p:txBody>
+      </p:sp>
+      <p:sp>
+        <p:nvSpPr>
+          <p:cNvPr id="21509" name="Rectangle 5"/>
+          <p:cNvSpPr>
+            <a:spLocks noChangeArrowheads="1"/>
+          </p:cNvSpPr>
+          <p:nvPr/>
+        </p:nvSpPr>
+        <p:spPr bwMode="auto">
+          <a:xfrm>
+            <a:off x="4521200" y="2057400"/>
+            <a:ext cx="1066800" cy="1676400"/>
+          </a:xfrm>
+          <a:prstGeom prst="rect">
+            <a:avLst/>
+          </a:prstGeom>
+          <a:solidFill>
+            <a:schemeClr val="accent1"/>
+          </a:solidFill>
+          <a:ln w="9525">
+            <a:solidFill>
+              <a:schemeClr val="tx1"/>
+            </a:solidFill>
+            <a:miter lim="800000"/>
+            <a:headEnd/>
+            <a:tailEnd/>
+          </a:ln>
+          <a:effectLst/>
+        </p:spPr>
+        <p:txBody>
+          <a:bodyPr wrap="none" anchor="ctr"/>
+          <a:lstStyle/>
+          <a:p>
+            <a:pPr algn="ctr"/>
+            <a:r>
+              <a:rPr lang="en-US" sz="3200"/>
+              <a:t>D</a:t>
+            </a:r>
+          </a:p>
+        </p:txBody>
+      </p:sp>
+      <p:sp>
+        <p:nvSpPr>
+          <p:cNvPr id="21510" name="Rectangle 6"/>
+          <p:cNvSpPr>
+            <a:spLocks noChangeArrowheads="1"/>
+          </p:cNvSpPr>
+          <p:nvPr/>
+        </p:nvSpPr>
+        <p:spPr bwMode="auto">
+          <a:xfrm>
+            <a:off x="6375400" y="2057400"/>
+            <a:ext cx="1066800" cy="1676400"/>
+          </a:xfrm>
+          <a:prstGeom prst="rect">
+            <a:avLst/>
+          </a:prstGeom>
+          <a:solidFill>
+            <a:schemeClr val="accent1"/>
+          </a:solidFill>
+          <a:ln w="9525">
+            <a:solidFill>
+              <a:schemeClr val="tx1"/>
+            </a:solidFill>
+            <a:miter lim="800000"/>
+            <a:headEnd/>
+            <a:tailEnd/>
+          </a:ln>
+          <a:effectLst/>
+        </p:spPr>
+        <p:txBody>
+          <a:bodyPr wrap="none" anchor="ctr"/>
+          <a:lstStyle/>
+          <a:p>
+            <a:pPr algn="ctr"/>
+            <a:r>
+              <a:rPr lang="en-US" sz="3200"/>
+              <a:t>4</a:t>
+            </a:r>
+          </a:p>
+        </p:txBody>
+      </p:sp>
+      <p:sp>
+        <p:nvSpPr>
+          <p:cNvPr id="21511" name="Rectangle 7"/>
+          <p:cNvSpPr>
+            <a:spLocks noChangeArrowheads="1"/>
+          </p:cNvSpPr>
+          <p:nvPr/>
+        </p:nvSpPr>
+        <p:spPr bwMode="auto">
+          <a:xfrm>
+            <a:off x="8229600" y="2057400"/>
+            <a:ext cx="1066800" cy="1676400"/>
+          </a:xfrm>
+          <a:prstGeom prst="rect">
+            <a:avLst/>
+          </a:prstGeom>
+          <a:solidFill>
+            <a:schemeClr val="accent1"/>
+          </a:solidFill>
+          <a:ln w="9525">
+            <a:solidFill>
+              <a:schemeClr val="tx1"/>
+            </a:solidFill>
+            <a:miter lim="800000"/>
+            <a:headEnd/>
+            <a:tailEnd/>
+          </a:ln>
+          <a:effectLst/>
+        </p:spPr>
+        <p:txBody>
+          <a:bodyPr wrap="none" anchor="ctr"/>
+          <a:lstStyle/>
+          <a:p>
+            <a:pPr algn="ctr"/>
+            <a:r>
+              <a:rPr lang="en-US" sz="3200"/>
+              <a:t>7</a:t>
+            </a:r>
+          </a:p>
+        </p:txBody>
+      </p:sp>
+      <p:sp>
+        <p:nvSpPr>
+          <p:cNvPr id="21512" name="Text Box 8"/>
+          <p:cNvSpPr txBox="1">
+            <a:spLocks noChangeArrowheads="1"/>
+          </p:cNvSpPr>
+          <p:nvPr/>
+        </p:nvSpPr>
+        <p:spPr bwMode="auto">
+          <a:xfrm>
+            <a:off x="2514601" y="4495800"/>
+            <a:ext cx="6950075" cy="1815882"/>
+          </a:xfrm>
+          <a:prstGeom prst="rect">
+            <a:avLst/>
+          </a:prstGeom>
+          <a:noFill/>
+          <a:ln w="9525">
+            <a:noFill/>
+            <a:miter lim="800000"/>
+            <a:headEnd/>
+            <a:tailEnd/>
+          </a:ln>
+          <a:effectLst/>
+        </p:spPr>
+        <p:txBody>
+          <a:bodyPr>
+            <a:spAutoFit/>
+          </a:bodyPr>
+          <a:lstStyle/>
+          <a:p>
+            <a:r>
+              <a:rPr lang="en-US" sz="2800"/>
+              <a:t>Hypothesis: If a card has a vowel on one side, then it has an even number on the other side.</a:t>
+            </a:r>
+          </a:p>
+          <a:p>
+            <a:endParaRPr lang="en-US" sz="2800"/>
+          </a:p>
+          <a:p>
+            <a:r>
+              <a:rPr lang="en-US" sz="2800"/>
+              <a:t>Which cards do you turn over?</a:t>
+            </a:r>
+          </a:p>
+        </p:txBody>
+      </p:sp>
+    </p:spTree>
+    <p:extLst>
+      <p:ext uri="{BB962C8B-B14F-4D97-AF65-F5344CB8AC3E}">
+        <p14:creationId xmlns:p14="http://schemas.microsoft.com/office/powerpoint/2010/main" val="2094656532"/>
+      </p:ext>
+    </p:extLst>
+  </p:cSld>
+  <p:clrMapOvr>
+    <a:masterClrMapping/>
+  </p:clrMapOvr>
+</p:sld>
+</file>
+
+<file path=ppt/slides/slide6.xml><?xml version="1.0" encoding="utf-8"?>
+<p:sld xmlns:a="http://schemas.openxmlformats.org/drawingml/2006/main" xmlns:r="http://schemas.openxmlformats.org/officeDocument/2006/relationships" xmlns:p="http://schemas.openxmlformats.org/presentationml/2006/main">
+  <p:cSld>
+    <p:spTree>
+      <p:nvGrpSpPr>
+        <p:cNvPr id="1" name=""/>
+        <p:cNvGrpSpPr/>
+        <p:nvPr/>
+      </p:nvGrpSpPr>
+      <p:grpSpPr>
+        <a:xfrm>
+          <a:off x="0" y="0"/>
+          <a:ext cx="0" cy="0"/>
+          <a:chOff x="0" y="0"/>
+          <a:chExt cx="0" cy="0"/>
+        </a:xfrm>
+      </p:grpSpPr>
+      <p:sp>
+        <p:nvSpPr>
+          <p:cNvPr id="7170" name="Rectangle 2"/>
+          <p:cNvSpPr>
+            <a:spLocks noGrp="1" noChangeArrowheads="1"/>
+          </p:cNvSpPr>
+          <p:nvPr>
+            <p:ph type="title"/>
+          </p:nvPr>
+        </p:nvSpPr>
+        <p:spPr/>
+        <p:txBody>
+          <a:bodyPr/>
+          <a:lstStyle/>
+          <a:p>
+            <a:r>
+              <a:rPr lang="en-US"/>
+              <a:t>The Bar Bouncer task</a:t>
+            </a:r>
+          </a:p>
+        </p:txBody>
+      </p:sp>
+      <p:sp>
+        <p:nvSpPr>
+          <p:cNvPr id="7171" name="Rectangle 4"/>
+          <p:cNvSpPr>
+            <a:spLocks noChangeArrowheads="1"/>
+          </p:cNvSpPr>
+          <p:nvPr/>
+        </p:nvSpPr>
+        <p:spPr bwMode="auto">
+          <a:xfrm>
+            <a:off x="2667000" y="2057400"/>
+            <a:ext cx="1066800" cy="1676400"/>
+          </a:xfrm>
+          <a:prstGeom prst="rect">
+            <a:avLst/>
+          </a:prstGeom>
+          <a:solidFill>
+            <a:schemeClr val="accent1"/>
+          </a:solidFill>
+          <a:ln w="9525">
+            <a:solidFill>
+              <a:schemeClr val="tx1"/>
+            </a:solidFill>
+            <a:miter lim="800000"/>
+            <a:headEnd/>
+            <a:tailEnd/>
+          </a:ln>
+        </p:spPr>
+        <p:txBody>
+          <a:bodyPr wrap="none" anchor="ctr"/>
+          <a:lstStyle/>
+          <a:p>
+            <a:pPr algn="ctr"/>
+            <a:r>
+              <a:rPr lang="en-US" sz="3200">
+                <a:latin typeface="Calibri" pitchFamily="34" charset="0"/>
+              </a:rPr>
+              <a:t>Soda</a:t>
+            </a:r>
+          </a:p>
+        </p:txBody>
+      </p:sp>
+      <p:sp>
+        <p:nvSpPr>
+          <p:cNvPr id="7172" name="Rectangle 5"/>
+          <p:cNvSpPr>
+            <a:spLocks noChangeArrowheads="1"/>
+          </p:cNvSpPr>
+          <p:nvPr/>
+        </p:nvSpPr>
+        <p:spPr bwMode="auto">
+          <a:xfrm>
+            <a:off x="4521200" y="2057400"/>
+            <a:ext cx="1066800" cy="1676400"/>
+          </a:xfrm>
+          <a:prstGeom prst="rect">
+            <a:avLst/>
+          </a:prstGeom>
+          <a:solidFill>
+            <a:schemeClr val="accent1"/>
+          </a:solidFill>
+          <a:ln w="9525">
+            <a:solidFill>
+              <a:schemeClr val="tx1"/>
+            </a:solidFill>
+            <a:miter lim="800000"/>
+            <a:headEnd/>
+            <a:tailEnd/>
+          </a:ln>
+        </p:spPr>
+        <p:txBody>
+          <a:bodyPr wrap="none" anchor="ctr"/>
+          <a:lstStyle/>
+          <a:p>
+            <a:pPr algn="ctr"/>
+            <a:r>
+              <a:rPr lang="en-US" sz="3200">
+                <a:latin typeface="Calibri" pitchFamily="34" charset="0"/>
+              </a:rPr>
+              <a:t>Beer</a:t>
+            </a:r>
+          </a:p>
+        </p:txBody>
+      </p:sp>
+      <p:sp>
+        <p:nvSpPr>
+          <p:cNvPr id="7173" name="Rectangle 6"/>
+          <p:cNvSpPr>
+            <a:spLocks noChangeArrowheads="1"/>
+          </p:cNvSpPr>
+          <p:nvPr/>
+        </p:nvSpPr>
+        <p:spPr bwMode="auto">
+          <a:xfrm>
+            <a:off x="6375400" y="2057400"/>
+            <a:ext cx="1066800" cy="1676400"/>
+          </a:xfrm>
+          <a:prstGeom prst="rect">
+            <a:avLst/>
+          </a:prstGeom>
+          <a:solidFill>
+            <a:schemeClr val="accent1"/>
+          </a:solidFill>
+          <a:ln w="9525">
+            <a:solidFill>
+              <a:schemeClr val="tx1"/>
+            </a:solidFill>
+            <a:miter lim="800000"/>
+            <a:headEnd/>
+            <a:tailEnd/>
+          </a:ln>
+        </p:spPr>
+        <p:txBody>
+          <a:bodyPr wrap="none" anchor="ctr"/>
+          <a:lstStyle/>
+          <a:p>
+            <a:pPr algn="ctr"/>
+            <a:r>
+              <a:rPr lang="en-US" sz="3200">
+                <a:latin typeface="Calibri" pitchFamily="34" charset="0"/>
+              </a:rPr>
+              <a:t>16</a:t>
+            </a:r>
+          </a:p>
+        </p:txBody>
+      </p:sp>
+      <p:sp>
+        <p:nvSpPr>
+          <p:cNvPr id="7174" name="Rectangle 7"/>
+          <p:cNvSpPr>
+            <a:spLocks noChangeArrowheads="1"/>
+          </p:cNvSpPr>
+          <p:nvPr/>
+        </p:nvSpPr>
+        <p:spPr bwMode="auto">
+          <a:xfrm>
+            <a:off x="8229600" y="2057400"/>
+            <a:ext cx="1066800" cy="1676400"/>
+          </a:xfrm>
+          <a:prstGeom prst="rect">
+            <a:avLst/>
+          </a:prstGeom>
+          <a:solidFill>
+            <a:schemeClr val="accent1"/>
+          </a:solidFill>
+          <a:ln w="9525">
+            <a:solidFill>
+              <a:schemeClr val="tx1"/>
+            </a:solidFill>
+            <a:miter lim="800000"/>
+            <a:headEnd/>
+            <a:tailEnd/>
+          </a:ln>
+        </p:spPr>
+        <p:txBody>
+          <a:bodyPr wrap="none" anchor="ctr"/>
+          <a:lstStyle/>
+          <a:p>
+            <a:pPr algn="ctr"/>
+            <a:r>
+              <a:rPr lang="en-US" sz="3200">
+                <a:latin typeface="Calibri" pitchFamily="34" charset="0"/>
+              </a:rPr>
+              <a:t>22</a:t>
+            </a:r>
+          </a:p>
+        </p:txBody>
+      </p:sp>
+      <p:sp>
+        <p:nvSpPr>
+          <p:cNvPr id="7175" name="Text Box 8"/>
+          <p:cNvSpPr txBox="1">
+            <a:spLocks noChangeArrowheads="1"/>
+          </p:cNvSpPr>
+          <p:nvPr/>
+        </p:nvSpPr>
+        <p:spPr bwMode="auto">
+          <a:xfrm>
+            <a:off x="2514601" y="4495800"/>
+            <a:ext cx="6950075" cy="1816100"/>
+          </a:xfrm>
+          <a:prstGeom prst="rect">
+            <a:avLst/>
+          </a:prstGeom>
+          <a:noFill/>
+          <a:ln w="9525">
+            <a:noFill/>
+            <a:miter lim="800000"/>
+            <a:headEnd/>
+            <a:tailEnd/>
+          </a:ln>
+        </p:spPr>
+        <p:txBody>
+          <a:bodyPr>
+            <a:spAutoFit/>
+          </a:bodyPr>
+          <a:lstStyle/>
+          <a:p>
+            <a:r>
+              <a:rPr lang="en-US" sz="2800">
+                <a:latin typeface="Calibri" pitchFamily="34" charset="0"/>
+              </a:rPr>
+              <a:t>Hypothesis: If a person is drinking beer, they must be 21 years or older…</a:t>
+            </a:r>
+          </a:p>
+          <a:p>
+            <a:endParaRPr lang="en-US" sz="2800">
+              <a:latin typeface="Calibri" pitchFamily="34" charset="0"/>
+            </a:endParaRPr>
+          </a:p>
+          <a:p>
+            <a:r>
+              <a:rPr lang="en-US" sz="2800">
+                <a:latin typeface="Calibri" pitchFamily="34" charset="0"/>
+              </a:rPr>
+              <a:t>Which cards do you turn over?</a:t>
+            </a:r>
+          </a:p>
+        </p:txBody>
+      </p:sp>
+    </p:spTree>
+    <p:extLst>
+      <p:ext uri="{BB962C8B-B14F-4D97-AF65-F5344CB8AC3E}">
+        <p14:creationId xmlns:p14="http://schemas.microsoft.com/office/powerpoint/2010/main" val="1291652780"/>
+      </p:ext>
+    </p:extLst>
+  </p:cSld>
+  <p:clrMapOvr>
+    <a:masterClrMapping/>
+  </p:clrMapOvr>
+</p:sld>
+</file>
+
+<file path=ppt/slides/slide7.xml><?xml version="1.0" encoding="utf-8"?>
+<p:sld xmlns:a="http://schemas.openxmlformats.org/drawingml/2006/main" xmlns:r="http://schemas.openxmlformats.org/officeDocument/2006/relationships" xmlns:p="http://schemas.openxmlformats.org/presentationml/2006/main">
+  <p:cSld>
+    <p:spTree>
+      <p:nvGrpSpPr>
+        <p:cNvPr id="1" name=""/>
+        <p:cNvGrpSpPr/>
+        <p:nvPr/>
+      </p:nvGrpSpPr>
+      <p:grpSpPr>
+        <a:xfrm>
+          <a:off x="0" y="0"/>
+          <a:ext cx="0" cy="0"/>
+          <a:chOff x="0" y="0"/>
+          <a:chExt cx="0" cy="0"/>
+        </a:xfrm>
+      </p:grpSpPr>
+      <p:sp>
+        <p:nvSpPr>
           <p:cNvPr id="19458" name="Rectangle 2"/>
           <p:cNvSpPr>
             <a:spLocks noGrp="1" noChangeArrowheads="1"/>
@@ -10626,7 +11600,7 @@
 </p:sld>
 </file>
 
-<file path=ppt/slides/slide5.xml><?xml version="1.0" encoding="utf-8"?>
+<file path=ppt/slides/slide8.xml><?xml version="1.0" encoding="utf-8"?>
 <p:sld xmlns:a="http://schemas.openxmlformats.org/drawingml/2006/main" xmlns:r="http://schemas.openxmlformats.org/officeDocument/2006/relationships" xmlns:p="http://schemas.openxmlformats.org/presentationml/2006/main">
   <p:cSld>
     <p:spTree>
@@ -10851,7 +11825,7 @@
 </p:sld>
 </file>
 
-<file path=ppt/slides/slide6.xml><?xml version="1.0" encoding="utf-8"?>
+<file path=ppt/slides/slide9.xml><?xml version="1.0" encoding="utf-8"?>
 <p:sld xmlns:a="http://schemas.openxmlformats.org/drawingml/2006/main" xmlns:r="http://schemas.openxmlformats.org/officeDocument/2006/relationships" xmlns:p="http://schemas.openxmlformats.org/presentationml/2006/main">
   <p:cSld>
     <p:spTree>
@@ -11089,518 +12063,6 @@
     <p:extLst>
       <p:ext uri="{BB962C8B-B14F-4D97-AF65-F5344CB8AC3E}">
         <p14:creationId xmlns:p14="http://schemas.microsoft.com/office/powerpoint/2010/main" val="3255122049"/>
-      </p:ext>
-    </p:extLst>
-  </p:cSld>
-  <p:clrMapOvr>
-    <a:masterClrMapping/>
-  </p:clrMapOvr>
-</p:sld>
-</file>
-
-<file path=ppt/slides/slide7.xml><?xml version="1.0" encoding="utf-8"?>
-<p:sld xmlns:a="http://schemas.openxmlformats.org/drawingml/2006/main" xmlns:r="http://schemas.openxmlformats.org/officeDocument/2006/relationships" xmlns:p="http://schemas.openxmlformats.org/presentationml/2006/main">
-  <p:cSld>
-    <p:spTree>
-      <p:nvGrpSpPr>
-        <p:cNvPr id="1" name=""/>
-        <p:cNvGrpSpPr/>
-        <p:nvPr/>
-      </p:nvGrpSpPr>
-      <p:grpSpPr>
-        <a:xfrm>
-          <a:off x="0" y="0"/>
-          <a:ext cx="0" cy="0"/>
-          <a:chOff x="0" y="0"/>
-          <a:chExt cx="0" cy="0"/>
-        </a:xfrm>
-      </p:grpSpPr>
-      <p:sp>
-        <p:nvSpPr>
-          <p:cNvPr id="3075" name="Rectangle 2"/>
-          <p:cNvSpPr>
-            <a:spLocks noGrp="1" noChangeArrowheads="1"/>
-          </p:cNvSpPr>
-          <p:nvPr>
-            <p:ph type="title"/>
-          </p:nvPr>
-        </p:nvSpPr>
-        <p:spPr/>
-        <p:txBody>
-          <a:bodyPr/>
-          <a:lstStyle/>
-          <a:p>
-            <a:pPr eaLnBrk="1" hangingPunct="1"/>
-            <a:endParaRPr lang="en-US"/>
-          </a:p>
-        </p:txBody>
-      </p:sp>
-      <p:sp>
-        <p:nvSpPr>
-          <p:cNvPr id="3076" name="Rectangle 3"/>
-          <p:cNvSpPr>
-            <a:spLocks noGrp="1" noChangeArrowheads="1"/>
-          </p:cNvSpPr>
-          <p:nvPr>
-            <p:ph type="body" sz="half" idx="1"/>
-          </p:nvPr>
-        </p:nvSpPr>
-        <p:spPr/>
-        <p:txBody>
-          <a:bodyPr>
-            <a:normAutofit/>
-          </a:bodyPr>
-          <a:lstStyle/>
-          <a:p>
-            <a:pPr eaLnBrk="1" hangingPunct="1"/>
-            <a:r>
-              <a:rPr lang="en-US" sz="3600" dirty="0"/>
-              <a:t>No correlation was found between hours of TV viewing and vocabulary,</a:t>
-            </a:r>
-            <a:br>
-              <a:rPr lang="en-US" sz="3600" dirty="0"/>
-            </a:br>
-            <a:r>
-              <a:rPr lang="en-US" sz="3600" i="1" dirty="0"/>
-              <a:t>r</a:t>
-            </a:r>
-            <a:r>
-              <a:rPr lang="en-US" sz="3600" dirty="0"/>
-              <a:t> = .08.</a:t>
-            </a:r>
-          </a:p>
-        </p:txBody>
-      </p:sp>
-      <p:sp>
-        <p:nvSpPr>
-          <p:cNvPr id="3077" name="Text Box 4"/>
-          <p:cNvSpPr txBox="1">
-            <a:spLocks noChangeArrowheads="1"/>
-          </p:cNvSpPr>
-          <p:nvPr/>
-        </p:nvSpPr>
-        <p:spPr bwMode="auto">
-          <a:xfrm rot="16200000">
-            <a:off x="5869725" y="3419997"/>
-            <a:ext cx="1856277" cy="369332"/>
-          </a:xfrm>
-          <a:prstGeom prst="rect">
-            <a:avLst/>
-          </a:prstGeom>
-          <a:noFill/>
-          <a:ln w="9525">
-            <a:noFill/>
-            <a:miter lim="800000"/>
-            <a:headEnd/>
-            <a:tailEnd/>
-          </a:ln>
-        </p:spPr>
-        <p:txBody>
-          <a:bodyPr wrap="none">
-            <a:spAutoFit/>
-          </a:bodyPr>
-          <a:lstStyle/>
-          <a:p>
-            <a:r>
-              <a:rPr lang="en-US"/>
-              <a:t>Hours of TV/week</a:t>
-            </a:r>
-          </a:p>
-        </p:txBody>
-      </p:sp>
-      <p:sp>
-        <p:nvSpPr>
-          <p:cNvPr id="3078" name="Text Box 5"/>
-          <p:cNvSpPr txBox="1">
-            <a:spLocks noChangeArrowheads="1"/>
-          </p:cNvSpPr>
-          <p:nvPr/>
-        </p:nvSpPr>
-        <p:spPr bwMode="auto">
-          <a:xfrm>
-            <a:off x="8285688" y="5607024"/>
-            <a:ext cx="1624547" cy="369332"/>
-          </a:xfrm>
-          <a:prstGeom prst="rect">
-            <a:avLst/>
-          </a:prstGeom>
-          <a:noFill/>
-          <a:ln w="9525">
-            <a:noFill/>
-            <a:miter lim="800000"/>
-            <a:headEnd/>
-            <a:tailEnd/>
-          </a:ln>
-        </p:spPr>
-        <p:txBody>
-          <a:bodyPr wrap="none">
-            <a:spAutoFit/>
-          </a:bodyPr>
-          <a:lstStyle/>
-          <a:p>
-            <a:r>
-              <a:rPr lang="en-US" dirty="0"/>
-              <a:t>Vocabulary size</a:t>
-            </a:r>
-          </a:p>
-        </p:txBody>
-      </p:sp>
-      <p:graphicFrame>
-        <p:nvGraphicFramePr>
-          <p:cNvPr id="3074" name="Object 7"/>
-          <p:cNvGraphicFramePr>
-            <a:graphicFrameLocks noGrp="1" noChangeAspect="1"/>
-          </p:cNvGraphicFramePr>
-          <p:nvPr>
-            <p:ph sz="quarter" idx="2"/>
-            <p:extLst>
-              <p:ext uri="{D42A27DB-BD31-4B8C-83A1-F6EECF244321}">
-                <p14:modId xmlns:p14="http://schemas.microsoft.com/office/powerpoint/2010/main" val="105748702"/>
-              </p:ext>
-            </p:extLst>
-          </p:nvPr>
-        </p:nvGraphicFramePr>
-        <p:xfrm>
-          <a:off x="6997968" y="1532229"/>
-          <a:ext cx="4199989" cy="4144870"/>
-        </p:xfrm>
-        <a:graphic>
-          <a:graphicData uri="http://schemas.openxmlformats.org/presentationml/2006/ole">
-            <mc:AlternateContent xmlns:mc="http://schemas.openxmlformats.org/markup-compatibility/2006">
-              <mc:Choice xmlns:v="urn:schemas-microsoft-com:vml" Requires="v">
-                <p:oleObj name="Chart" r:id="rId3" imgW="2123975" imgH="2095420" progId="Excel.Chart.8">
-                  <p:embed/>
-                </p:oleObj>
-              </mc:Choice>
-              <mc:Fallback>
-                <p:oleObj name="Chart" r:id="rId3" imgW="2123975" imgH="2095420" progId="Excel.Chart.8">
-                  <p:embed/>
-                  <p:pic>
-                    <p:nvPicPr>
-                      <p:cNvPr id="3074" name="Object 7"/>
-                      <p:cNvPicPr>
-                        <a:picLocks noGrp="1" noChangeAspect="1" noChangeArrowheads="1"/>
-                      </p:cNvPicPr>
-                      <p:nvPr/>
-                    </p:nvPicPr>
-                    <p:blipFill>
-                      <a:blip r:embed="rId4">
-                        <a:extLst>
-                          <a:ext uri="{28A0092B-C50C-407E-A947-70E740481C1C}">
-                            <a14:useLocalDpi xmlns:a14="http://schemas.microsoft.com/office/drawing/2010/main" val="0"/>
-                          </a:ext>
-                        </a:extLst>
-                      </a:blip>
-                      <a:srcRect/>
-                      <a:stretch>
-                        <a:fillRect/>
-                      </a:stretch>
-                    </p:blipFill>
-                    <p:spPr bwMode="auto">
-                      <a:xfrm>
-                        <a:off x="6997968" y="1532229"/>
-                        <a:ext cx="4199989" cy="4144870"/>
-                      </a:xfrm>
-                      <a:prstGeom prst="rect">
-                        <a:avLst/>
-                      </a:prstGeom>
-                      <a:noFill/>
-                    </p:spPr>
-                  </p:pic>
-                </p:oleObj>
-              </mc:Fallback>
-            </mc:AlternateContent>
-          </a:graphicData>
-        </a:graphic>
-      </p:graphicFrame>
-    </p:spTree>
-    <p:extLst>
-      <p:ext uri="{BB962C8B-B14F-4D97-AF65-F5344CB8AC3E}">
-        <p14:creationId xmlns:p14="http://schemas.microsoft.com/office/powerpoint/2010/main" val="3756736851"/>
-      </p:ext>
-    </p:extLst>
-  </p:cSld>
-  <p:clrMapOvr>
-    <a:masterClrMapping/>
-  </p:clrMapOvr>
-</p:sld>
-</file>
-
-<file path=ppt/slides/slide8.xml><?xml version="1.0" encoding="utf-8"?>
-<p:sld xmlns:a="http://schemas.openxmlformats.org/drawingml/2006/main" xmlns:r="http://schemas.openxmlformats.org/officeDocument/2006/relationships" xmlns:p="http://schemas.openxmlformats.org/presentationml/2006/main">
-  <p:cSld>
-    <p:spTree>
-      <p:nvGrpSpPr>
-        <p:cNvPr id="1" name=""/>
-        <p:cNvGrpSpPr/>
-        <p:nvPr/>
-      </p:nvGrpSpPr>
-      <p:grpSpPr>
-        <a:xfrm>
-          <a:off x="0" y="0"/>
-          <a:ext cx="0" cy="0"/>
-          <a:chOff x="0" y="0"/>
-          <a:chExt cx="0" cy="0"/>
-        </a:xfrm>
-      </p:grpSpPr>
-      <p:sp>
-        <p:nvSpPr>
-          <p:cNvPr id="8" name="Title 7">
-            <a:extLst>
-              <a:ext uri="{FF2B5EF4-FFF2-40B4-BE49-F238E27FC236}">
-                <a16:creationId xmlns:a16="http://schemas.microsoft.com/office/drawing/2014/main" id="{AC24680F-6134-4A97-BD91-53E158F1805E}"/>
-              </a:ext>
-            </a:extLst>
-          </p:cNvPr>
-          <p:cNvSpPr>
-            <a:spLocks noGrp="1"/>
-          </p:cNvSpPr>
-          <p:nvPr>
-            <p:ph type="title"/>
-          </p:nvPr>
-        </p:nvSpPr>
-        <p:spPr/>
-        <p:txBody>
-          <a:bodyPr/>
-          <a:lstStyle/>
-          <a:p>
-            <a:r>
-              <a:rPr lang="en-US" dirty="0"/>
-              <a:t>Correlation analysis</a:t>
-            </a:r>
-          </a:p>
-        </p:txBody>
-      </p:sp>
-      <p:sp>
-        <p:nvSpPr>
-          <p:cNvPr id="9" name="Content Placeholder 8">
-            <a:extLst>
-              <a:ext uri="{FF2B5EF4-FFF2-40B4-BE49-F238E27FC236}">
-                <a16:creationId xmlns:a16="http://schemas.microsoft.com/office/drawing/2014/main" id="{36D8337B-AEF6-498F-A96F-41A831FE3602}"/>
-              </a:ext>
-            </a:extLst>
-          </p:cNvPr>
-          <p:cNvSpPr>
-            <a:spLocks noGrp="1"/>
-          </p:cNvSpPr>
-          <p:nvPr>
-            <p:ph idx="1"/>
-          </p:nvPr>
-        </p:nvSpPr>
-        <p:spPr/>
-        <p:txBody>
-          <a:bodyPr>
-            <a:normAutofit/>
-          </a:bodyPr>
-          <a:lstStyle/>
-          <a:p>
-            <a:r>
-              <a:rPr lang="en-US" sz="3200" dirty="0"/>
-              <a:t>Measure of association between two continuous variables</a:t>
-            </a:r>
-          </a:p>
-          <a:p>
-            <a:pPr lvl="1"/>
-            <a:r>
-              <a:rPr lang="en-US" sz="2800" dirty="0"/>
-              <a:t>Range -1.0 to 1.0</a:t>
-            </a:r>
-          </a:p>
-          <a:p>
-            <a:pPr lvl="2"/>
-            <a:r>
-              <a:rPr lang="en-US" sz="2400" dirty="0"/>
-              <a:t>Null hypothesis is zero</a:t>
-            </a:r>
-          </a:p>
-          <a:p>
-            <a:pPr lvl="2"/>
-            <a:endParaRPr lang="en-US" sz="2400" dirty="0"/>
-          </a:p>
-          <a:p>
-            <a:r>
-              <a:rPr lang="en-US" sz="3200" dirty="0"/>
-              <a:t>Most frequently done in non-experimental research</a:t>
-            </a:r>
-          </a:p>
-          <a:p>
-            <a:pPr lvl="1"/>
-            <a:r>
-              <a:rPr lang="en-US" sz="2800" dirty="0"/>
-              <a:t>Correlation does not imply causation</a:t>
-            </a:r>
-          </a:p>
-          <a:p>
-            <a:pPr lvl="2"/>
-            <a:r>
-              <a:rPr lang="en-US" sz="2400" dirty="0"/>
-              <a:t>But also does not guarantee not being causal</a:t>
-            </a:r>
-          </a:p>
-          <a:p>
-            <a:pPr lvl="1"/>
-            <a:r>
-              <a:rPr lang="en-US" sz="2800" dirty="0"/>
-              <a:t>Alternate hypotheses: Y -&gt; X, Z -&gt; (X, Y)</a:t>
-            </a:r>
-          </a:p>
-        </p:txBody>
-      </p:sp>
-    </p:spTree>
-    <p:extLst>
-      <p:ext uri="{BB962C8B-B14F-4D97-AF65-F5344CB8AC3E}">
-        <p14:creationId xmlns:p14="http://schemas.microsoft.com/office/powerpoint/2010/main" val="2411131234"/>
-      </p:ext>
-    </p:extLst>
-  </p:cSld>
-  <p:clrMapOvr>
-    <a:masterClrMapping/>
-  </p:clrMapOvr>
-</p:sld>
-</file>
-
-<file path=ppt/slides/slide9.xml><?xml version="1.0" encoding="utf-8"?>
-<p:sld xmlns:a="http://schemas.openxmlformats.org/drawingml/2006/main" xmlns:r="http://schemas.openxmlformats.org/officeDocument/2006/relationships" xmlns:p="http://schemas.openxmlformats.org/presentationml/2006/main">
-  <p:cSld>
-    <p:spTree>
-      <p:nvGrpSpPr>
-        <p:cNvPr id="1" name=""/>
-        <p:cNvGrpSpPr/>
-        <p:nvPr/>
-      </p:nvGrpSpPr>
-      <p:grpSpPr>
-        <a:xfrm>
-          <a:off x="0" y="0"/>
-          <a:ext cx="0" cy="0"/>
-          <a:chOff x="0" y="0"/>
-          <a:chExt cx="0" cy="0"/>
-        </a:xfrm>
-      </p:grpSpPr>
-      <p:sp>
-        <p:nvSpPr>
-          <p:cNvPr id="2" name="Title 1">
-            <a:extLst>
-              <a:ext uri="{FF2B5EF4-FFF2-40B4-BE49-F238E27FC236}">
-                <a16:creationId xmlns:a16="http://schemas.microsoft.com/office/drawing/2014/main" id="{B512F016-3F9F-435E-DC65-ED990E1BAF34}"/>
-              </a:ext>
-            </a:extLst>
-          </p:cNvPr>
-          <p:cNvSpPr>
-            <a:spLocks noGrp="1"/>
-          </p:cNvSpPr>
-          <p:nvPr>
-            <p:ph type="title"/>
-          </p:nvPr>
-        </p:nvSpPr>
-        <p:spPr/>
-        <p:txBody>
-          <a:bodyPr/>
-          <a:lstStyle/>
-          <a:p>
-            <a:r>
-              <a:rPr lang="en-US" dirty="0"/>
-              <a:t>Related analyses</a:t>
-            </a:r>
-          </a:p>
-        </p:txBody>
-      </p:sp>
-      <p:sp>
-        <p:nvSpPr>
-          <p:cNvPr id="3" name="Content Placeholder 2">
-            <a:extLst>
-              <a:ext uri="{FF2B5EF4-FFF2-40B4-BE49-F238E27FC236}">
-                <a16:creationId xmlns:a16="http://schemas.microsoft.com/office/drawing/2014/main" id="{E83C6A88-0692-5DB9-1DE4-584300149F70}"/>
-              </a:ext>
-            </a:extLst>
-          </p:cNvPr>
-          <p:cNvSpPr>
-            <a:spLocks noGrp="1"/>
-          </p:cNvSpPr>
-          <p:nvPr>
-            <p:ph idx="1"/>
-          </p:nvPr>
-        </p:nvSpPr>
-        <p:spPr/>
-        <p:txBody>
-          <a:bodyPr/>
-          <a:lstStyle/>
-          <a:p>
-            <a:r>
-              <a:rPr lang="en-US" dirty="0"/>
-              <a:t>Spearman’s rank correlation</a:t>
-            </a:r>
-          </a:p>
-          <a:p>
-            <a:pPr lvl="1"/>
-            <a:r>
-              <a:rPr lang="en-US" dirty="0"/>
-              <a:t>For unusual distributions</a:t>
-            </a:r>
-          </a:p>
-          <a:p>
-            <a:r>
-              <a:rPr lang="en-US" dirty="0"/>
-              <a:t>Regression</a:t>
-            </a:r>
-          </a:p>
-          <a:p>
-            <a:pPr lvl="1"/>
-            <a:r>
-              <a:rPr lang="en-US" dirty="0"/>
-              <a:t>General linear modeling (GLM)</a:t>
-            </a:r>
-          </a:p>
-          <a:p>
-            <a:pPr lvl="1"/>
-            <a:r>
-              <a:rPr lang="en-US" dirty="0"/>
-              <a:t>Percentage of variance accounted for: r</a:t>
-            </a:r>
-            <a:r>
-              <a:rPr lang="en-US" baseline="30000" dirty="0"/>
-              <a:t>2</a:t>
-            </a:r>
-          </a:p>
-          <a:p>
-            <a:pPr lvl="1"/>
-            <a:r>
-              <a:rPr lang="en-US" dirty="0"/>
-              <a:t>ANCOVA</a:t>
-            </a:r>
-          </a:p>
-          <a:p>
-            <a:r>
-              <a:rPr lang="en-US" dirty="0"/>
-              <a:t>Multivariate techniques</a:t>
-            </a:r>
-          </a:p>
-          <a:p>
-            <a:pPr lvl="1"/>
-            <a:r>
-              <a:rPr lang="en-US" dirty="0"/>
-              <a:t>Correlation matrices</a:t>
-            </a:r>
-          </a:p>
-          <a:p>
-            <a:pPr lvl="1"/>
-            <a:r>
-              <a:rPr lang="en-US" dirty="0"/>
-              <a:t>Factor analysis</a:t>
-            </a:r>
-          </a:p>
-          <a:p>
-            <a:pPr lvl="1"/>
-            <a:r>
-              <a:rPr lang="en-US" dirty="0"/>
-              <a:t>Structural equation modeling</a:t>
-            </a:r>
-          </a:p>
-        </p:txBody>
-      </p:sp>
-    </p:spTree>
-    <p:extLst>
-      <p:ext uri="{BB962C8B-B14F-4D97-AF65-F5344CB8AC3E}">
-        <p14:creationId xmlns:p14="http://schemas.microsoft.com/office/powerpoint/2010/main" val="3548538195"/>
       </p:ext>
     </p:extLst>
   </p:cSld>
